--- a/Planung/Praesentationen/Praesentation_Leonding.pptx
+++ b/Planung/Praesentationen/Praesentation_Leonding.pptx
@@ -3685,6 +3685,18 @@
   <p:clrMapOvr>
     <a:masterClrMapping/>
   </p:clrMapOvr>
+  <mc:AlternateContent xmlns:mc="http://schemas.openxmlformats.org/markup-compatibility/2006">
+    <mc:Choice xmlns:p14="http://schemas.microsoft.com/office/powerpoint/2010/main" Requires="p14">
+      <p:transition spd="slow" p14:dur="1200">
+        <p14:prism/>
+      </p:transition>
+    </mc:Choice>
+    <mc:Fallback>
+      <p:transition spd="slow">
+        <p:fade/>
+      </p:transition>
+    </mc:Fallback>
+  </mc:AlternateContent>
 </p:sldLayout>
 </file>
 
@@ -3855,6 +3867,18 @@
   <p:clrMapOvr>
     <a:masterClrMapping/>
   </p:clrMapOvr>
+  <mc:AlternateContent xmlns:mc="http://schemas.openxmlformats.org/markup-compatibility/2006">
+    <mc:Choice xmlns:p14="http://schemas.microsoft.com/office/powerpoint/2010/main" Requires="p14">
+      <p:transition spd="slow" p14:dur="1200">
+        <p14:prism/>
+      </p:transition>
+    </mc:Choice>
+    <mc:Fallback>
+      <p:transition spd="slow">
+        <p:fade/>
+      </p:transition>
+    </mc:Fallback>
+  </mc:AlternateContent>
 </p:sldLayout>
 </file>
 
@@ -4035,6 +4059,18 @@
   <p:clrMapOvr>
     <a:masterClrMapping/>
   </p:clrMapOvr>
+  <mc:AlternateContent xmlns:mc="http://schemas.openxmlformats.org/markup-compatibility/2006">
+    <mc:Choice xmlns:p14="http://schemas.microsoft.com/office/powerpoint/2010/main" Requires="p14">
+      <p:transition spd="slow" p14:dur="1200">
+        <p14:prism/>
+      </p:transition>
+    </mc:Choice>
+    <mc:Fallback>
+      <p:transition spd="slow">
+        <p:fade/>
+      </p:transition>
+    </mc:Fallback>
+  </mc:AlternateContent>
 </p:sldLayout>
 </file>
 
@@ -4238,6 +4274,18 @@
   <p:clrMapOvr>
     <a:masterClrMapping/>
   </p:clrMapOvr>
+  <mc:AlternateContent xmlns:mc="http://schemas.openxmlformats.org/markup-compatibility/2006">
+    <mc:Choice xmlns:p14="http://schemas.microsoft.com/office/powerpoint/2010/main" Requires="p14">
+      <p:transition spd="slow" p14:dur="1200">
+        <p14:prism/>
+      </p:transition>
+    </mc:Choice>
+    <mc:Fallback>
+      <p:transition spd="slow">
+        <p:fade/>
+      </p:transition>
+    </mc:Fallback>
+  </mc:AlternateContent>
 </p:sldLayout>
 </file>
 
@@ -4408,6 +4456,18 @@
   <p:clrMapOvr>
     <a:masterClrMapping/>
   </p:clrMapOvr>
+  <mc:AlternateContent xmlns:mc="http://schemas.openxmlformats.org/markup-compatibility/2006">
+    <mc:Choice xmlns:p14="http://schemas.microsoft.com/office/powerpoint/2010/main" Requires="p14">
+      <p:transition spd="slow" p14:dur="1200">
+        <p14:prism/>
+      </p:transition>
+    </mc:Choice>
+    <mc:Fallback>
+      <p:transition spd="slow">
+        <p:fade/>
+      </p:transition>
+    </mc:Fallback>
+  </mc:AlternateContent>
 </p:sldLayout>
 </file>
 
@@ -4659,6 +4719,18 @@
   <p:clrMapOvr>
     <a:masterClrMapping/>
   </p:clrMapOvr>
+  <mc:AlternateContent xmlns:mc="http://schemas.openxmlformats.org/markup-compatibility/2006">
+    <mc:Choice xmlns:p14="http://schemas.microsoft.com/office/powerpoint/2010/main" Requires="p14">
+      <p:transition spd="slow" p14:dur="1200">
+        <p14:prism/>
+      </p:transition>
+    </mc:Choice>
+    <mc:Fallback>
+      <p:transition spd="slow">
+        <p:fade/>
+      </p:transition>
+    </mc:Fallback>
+  </mc:AlternateContent>
 </p:sldLayout>
 </file>
 
@@ -4891,6 +4963,18 @@
   <p:clrMapOvr>
     <a:masterClrMapping/>
   </p:clrMapOvr>
+  <mc:AlternateContent xmlns:mc="http://schemas.openxmlformats.org/markup-compatibility/2006">
+    <mc:Choice xmlns:p14="http://schemas.microsoft.com/office/powerpoint/2010/main" Requires="p14">
+      <p:transition spd="slow" p14:dur="1200">
+        <p14:prism/>
+      </p:transition>
+    </mc:Choice>
+    <mc:Fallback>
+      <p:transition spd="slow">
+        <p:fade/>
+      </p:transition>
+    </mc:Fallback>
+  </mc:AlternateContent>
 </p:sldLayout>
 </file>
 
@@ -5261,6 +5345,18 @@
   <p:clrMapOvr>
     <a:masterClrMapping/>
   </p:clrMapOvr>
+  <mc:AlternateContent xmlns:mc="http://schemas.openxmlformats.org/markup-compatibility/2006">
+    <mc:Choice xmlns:p14="http://schemas.microsoft.com/office/powerpoint/2010/main" Requires="p14">
+      <p:transition spd="slow" p14:dur="1200">
+        <p14:prism/>
+      </p:transition>
+    </mc:Choice>
+    <mc:Fallback>
+      <p:transition spd="slow">
+        <p:fade/>
+      </p:transition>
+    </mc:Fallback>
+  </mc:AlternateContent>
 </p:sldLayout>
 </file>
 
@@ -5379,6 +5475,18 @@
   <p:clrMapOvr>
     <a:masterClrMapping/>
   </p:clrMapOvr>
+  <mc:AlternateContent xmlns:mc="http://schemas.openxmlformats.org/markup-compatibility/2006">
+    <mc:Choice xmlns:p14="http://schemas.microsoft.com/office/powerpoint/2010/main" Requires="p14">
+      <p:transition spd="slow" p14:dur="1200">
+        <p14:prism/>
+      </p:transition>
+    </mc:Choice>
+    <mc:Fallback>
+      <p:transition spd="slow">
+        <p:fade/>
+      </p:transition>
+    </mc:Fallback>
+  </mc:AlternateContent>
 </p:sldLayout>
 </file>
 
@@ -5474,6 +5582,18 @@
   <p:clrMapOvr>
     <a:masterClrMapping/>
   </p:clrMapOvr>
+  <mc:AlternateContent xmlns:mc="http://schemas.openxmlformats.org/markup-compatibility/2006">
+    <mc:Choice xmlns:p14="http://schemas.microsoft.com/office/powerpoint/2010/main" Requires="p14">
+      <p:transition spd="slow" p14:dur="1200">
+        <p14:prism/>
+      </p:transition>
+    </mc:Choice>
+    <mc:Fallback>
+      <p:transition spd="slow">
+        <p:fade/>
+      </p:transition>
+    </mc:Fallback>
+  </mc:AlternateContent>
 </p:sldLayout>
 </file>
 
@@ -5758,6 +5878,18 @@
   <p:clrMapOvr>
     <a:masterClrMapping/>
   </p:clrMapOvr>
+  <mc:AlternateContent xmlns:mc="http://schemas.openxmlformats.org/markup-compatibility/2006">
+    <mc:Choice xmlns:p14="http://schemas.microsoft.com/office/powerpoint/2010/main" Requires="p14">
+      <p:transition spd="slow" p14:dur="1200">
+        <p14:prism/>
+      </p:transition>
+    </mc:Choice>
+    <mc:Fallback>
+      <p:transition spd="slow">
+        <p:fade/>
+      </p:transition>
+    </mc:Fallback>
+  </mc:AlternateContent>
 </p:sldLayout>
 </file>
 
@@ -5928,6 +6060,18 @@
   <p:clrMapOvr>
     <a:masterClrMapping/>
   </p:clrMapOvr>
+  <mc:AlternateContent xmlns:mc="http://schemas.openxmlformats.org/markup-compatibility/2006">
+    <mc:Choice xmlns:p14="http://schemas.microsoft.com/office/powerpoint/2010/main" Requires="p14">
+      <p:transition spd="slow" p14:dur="1200">
+        <p14:prism/>
+      </p:transition>
+    </mc:Choice>
+    <mc:Fallback>
+      <p:transition spd="slow">
+        <p:fade/>
+      </p:transition>
+    </mc:Fallback>
+  </mc:AlternateContent>
 </p:sldLayout>
 </file>
 
@@ -6192,6 +6336,18 @@
   <p:clrMapOvr>
     <a:masterClrMapping/>
   </p:clrMapOvr>
+  <mc:AlternateContent xmlns:mc="http://schemas.openxmlformats.org/markup-compatibility/2006">
+    <mc:Choice xmlns:p14="http://schemas.microsoft.com/office/powerpoint/2010/main" Requires="p14">
+      <p:transition spd="slow" p14:dur="1200">
+        <p14:prism/>
+      </p:transition>
+    </mc:Choice>
+    <mc:Fallback>
+      <p:transition spd="slow">
+        <p:fade/>
+      </p:transition>
+    </mc:Fallback>
+  </mc:AlternateContent>
 </p:sldLayout>
 </file>
 
@@ -6362,6 +6518,18 @@
   <p:clrMapOvr>
     <a:masterClrMapping/>
   </p:clrMapOvr>
+  <mc:AlternateContent xmlns:mc="http://schemas.openxmlformats.org/markup-compatibility/2006">
+    <mc:Choice xmlns:p14="http://schemas.microsoft.com/office/powerpoint/2010/main" Requires="p14">
+      <p:transition spd="slow" p14:dur="1200">
+        <p14:prism/>
+      </p:transition>
+    </mc:Choice>
+    <mc:Fallback>
+      <p:transition spd="slow">
+        <p:fade/>
+      </p:transition>
+    </mc:Fallback>
+  </mc:AlternateContent>
 </p:sldLayout>
 </file>
 
@@ -6542,6 +6710,18 @@
   <p:clrMapOvr>
     <a:masterClrMapping/>
   </p:clrMapOvr>
+  <mc:AlternateContent xmlns:mc="http://schemas.openxmlformats.org/markup-compatibility/2006">
+    <mc:Choice xmlns:p14="http://schemas.microsoft.com/office/powerpoint/2010/main" Requires="p14">
+      <p:transition spd="slow" p14:dur="1200">
+        <p14:prism/>
+      </p:transition>
+    </mc:Choice>
+    <mc:Fallback>
+      <p:transition spd="slow">
+        <p:fade/>
+      </p:transition>
+    </mc:Fallback>
+  </mc:AlternateContent>
 </p:sldLayout>
 </file>
 
@@ -6827,6 +7007,18 @@
   <p:clrMapOvr>
     <a:masterClrMapping/>
   </p:clrMapOvr>
+  <mc:AlternateContent xmlns:mc="http://schemas.openxmlformats.org/markup-compatibility/2006">
+    <mc:Choice xmlns:p14="http://schemas.microsoft.com/office/powerpoint/2010/main" Requires="p14">
+      <p:transition spd="slow" p14:dur="1200">
+        <p14:prism/>
+      </p:transition>
+    </mc:Choice>
+    <mc:Fallback>
+      <p:transition spd="slow">
+        <p:fade/>
+      </p:transition>
+    </mc:Fallback>
+  </mc:AlternateContent>
 </p:sldLayout>
 </file>
 
@@ -6997,6 +7189,18 @@
   <p:clrMapOvr>
     <a:masterClrMapping/>
   </p:clrMapOvr>
+  <mc:AlternateContent xmlns:mc="http://schemas.openxmlformats.org/markup-compatibility/2006">
+    <mc:Choice xmlns:p14="http://schemas.microsoft.com/office/powerpoint/2010/main" Requires="p14">
+      <p:transition spd="slow" p14:dur="1200">
+        <p14:prism/>
+      </p:transition>
+    </mc:Choice>
+    <mc:Fallback>
+      <p:transition spd="slow">
+        <p:fade/>
+      </p:transition>
+    </mc:Fallback>
+  </mc:AlternateContent>
 </p:sldLayout>
 </file>
 
@@ -7255,6 +7459,18 @@
   <p:clrMapOvr>
     <a:masterClrMapping/>
   </p:clrMapOvr>
+  <mc:AlternateContent xmlns:mc="http://schemas.openxmlformats.org/markup-compatibility/2006">
+    <mc:Choice xmlns:p14="http://schemas.microsoft.com/office/powerpoint/2010/main" Requires="p14">
+      <p:transition spd="slow" p14:dur="1200">
+        <p14:prism/>
+      </p:transition>
+    </mc:Choice>
+    <mc:Fallback>
+      <p:transition spd="slow">
+        <p:fade/>
+      </p:transition>
+    </mc:Fallback>
+  </mc:AlternateContent>
 </p:sldLayout>
 </file>
 
@@ -7543,6 +7759,18 @@
   <p:clrMapOvr>
     <a:masterClrMapping/>
   </p:clrMapOvr>
+  <mc:AlternateContent xmlns:mc="http://schemas.openxmlformats.org/markup-compatibility/2006">
+    <mc:Choice xmlns:p14="http://schemas.microsoft.com/office/powerpoint/2010/main" Requires="p14">
+      <p:transition spd="slow" p14:dur="1200">
+        <p14:prism/>
+      </p:transition>
+    </mc:Choice>
+    <mc:Fallback>
+      <p:transition spd="slow">
+        <p:fade/>
+      </p:transition>
+    </mc:Fallback>
+  </mc:AlternateContent>
 </p:sldLayout>
 </file>
 
@@ -7985,6 +8213,18 @@
   <p:clrMapOvr>
     <a:masterClrMapping/>
   </p:clrMapOvr>
+  <mc:AlternateContent xmlns:mc="http://schemas.openxmlformats.org/markup-compatibility/2006">
+    <mc:Choice xmlns:p14="http://schemas.microsoft.com/office/powerpoint/2010/main" Requires="p14">
+      <p:transition spd="slow" p14:dur="1200">
+        <p14:prism/>
+      </p:transition>
+    </mc:Choice>
+    <mc:Fallback>
+      <p:transition spd="slow">
+        <p:fade/>
+      </p:transition>
+    </mc:Fallback>
+  </mc:AlternateContent>
 </p:sldLayout>
 </file>
 
@@ -8103,6 +8343,18 @@
   <p:clrMapOvr>
     <a:masterClrMapping/>
   </p:clrMapOvr>
+  <mc:AlternateContent xmlns:mc="http://schemas.openxmlformats.org/markup-compatibility/2006">
+    <mc:Choice xmlns:p14="http://schemas.microsoft.com/office/powerpoint/2010/main" Requires="p14">
+      <p:transition spd="slow" p14:dur="1200">
+        <p14:prism/>
+      </p:transition>
+    </mc:Choice>
+    <mc:Fallback>
+      <p:transition spd="slow">
+        <p:fade/>
+      </p:transition>
+    </mc:Fallback>
+  </mc:AlternateContent>
 </p:sldLayout>
 </file>
 
@@ -8198,6 +8450,18 @@
   <p:clrMapOvr>
     <a:masterClrMapping/>
   </p:clrMapOvr>
+  <mc:AlternateContent xmlns:mc="http://schemas.openxmlformats.org/markup-compatibility/2006">
+    <mc:Choice xmlns:p14="http://schemas.microsoft.com/office/powerpoint/2010/main" Requires="p14">
+      <p:transition spd="slow" p14:dur="1200">
+        <p14:prism/>
+      </p:transition>
+    </mc:Choice>
+    <mc:Fallback>
+      <p:transition spd="slow">
+        <p:fade/>
+      </p:transition>
+    </mc:Fallback>
+  </mc:AlternateContent>
 </p:sldLayout>
 </file>
 
@@ -8449,6 +8713,18 @@
   <p:clrMapOvr>
     <a:masterClrMapping/>
   </p:clrMapOvr>
+  <mc:AlternateContent xmlns:mc="http://schemas.openxmlformats.org/markup-compatibility/2006">
+    <mc:Choice xmlns:p14="http://schemas.microsoft.com/office/powerpoint/2010/main" Requires="p14">
+      <p:transition spd="slow" p14:dur="1200">
+        <p14:prism/>
+      </p:transition>
+    </mc:Choice>
+    <mc:Fallback>
+      <p:transition spd="slow">
+        <p:fade/>
+      </p:transition>
+    </mc:Fallback>
+  </mc:AlternateContent>
 </p:sldLayout>
 </file>
 
@@ -8737,6 +9013,18 @@
   <p:clrMapOvr>
     <a:masterClrMapping/>
   </p:clrMapOvr>
+  <mc:AlternateContent xmlns:mc="http://schemas.openxmlformats.org/markup-compatibility/2006">
+    <mc:Choice xmlns:p14="http://schemas.microsoft.com/office/powerpoint/2010/main" Requires="p14">
+      <p:transition spd="slow" p14:dur="1200">
+        <p14:prism/>
+      </p:transition>
+    </mc:Choice>
+    <mc:Fallback>
+      <p:transition spd="slow">
+        <p:fade/>
+      </p:transition>
+    </mc:Fallback>
+  </mc:AlternateContent>
 </p:sldLayout>
 </file>
 
@@ -9015,6 +9303,18 @@
   <p:clrMapOvr>
     <a:masterClrMapping/>
   </p:clrMapOvr>
+  <mc:AlternateContent xmlns:mc="http://schemas.openxmlformats.org/markup-compatibility/2006">
+    <mc:Choice xmlns:p14="http://schemas.microsoft.com/office/powerpoint/2010/main" Requires="p14">
+      <p:transition spd="slow" p14:dur="1200">
+        <p14:prism/>
+      </p:transition>
+    </mc:Choice>
+    <mc:Fallback>
+      <p:transition spd="slow">
+        <p:fade/>
+      </p:transition>
+    </mc:Fallback>
+  </mc:AlternateContent>
 </p:sldLayout>
 </file>
 
@@ -9185,6 +9485,18 @@
   <p:clrMapOvr>
     <a:masterClrMapping/>
   </p:clrMapOvr>
+  <mc:AlternateContent xmlns:mc="http://schemas.openxmlformats.org/markup-compatibility/2006">
+    <mc:Choice xmlns:p14="http://schemas.microsoft.com/office/powerpoint/2010/main" Requires="p14">
+      <p:transition spd="slow" p14:dur="1200">
+        <p14:prism/>
+      </p:transition>
+    </mc:Choice>
+    <mc:Fallback>
+      <p:transition spd="slow">
+        <p:fade/>
+      </p:transition>
+    </mc:Fallback>
+  </mc:AlternateContent>
 </p:sldLayout>
 </file>
 
@@ -9365,6 +9677,18 @@
   <p:clrMapOvr>
     <a:masterClrMapping/>
   </p:clrMapOvr>
+  <mc:AlternateContent xmlns:mc="http://schemas.openxmlformats.org/markup-compatibility/2006">
+    <mc:Choice xmlns:p14="http://schemas.microsoft.com/office/powerpoint/2010/main" Requires="p14">
+      <p:transition spd="slow" p14:dur="1200">
+        <p14:prism/>
+      </p:transition>
+    </mc:Choice>
+    <mc:Fallback>
+      <p:transition spd="slow">
+        <p:fade/>
+      </p:transition>
+    </mc:Fallback>
+  </mc:AlternateContent>
 </p:sldLayout>
 </file>
 
@@ -9597,6 +9921,18 @@
   <p:clrMapOvr>
     <a:masterClrMapping/>
   </p:clrMapOvr>
+  <mc:AlternateContent xmlns:mc="http://schemas.openxmlformats.org/markup-compatibility/2006">
+    <mc:Choice xmlns:p14="http://schemas.microsoft.com/office/powerpoint/2010/main" Requires="p14">
+      <p:transition spd="slow" p14:dur="1200">
+        <p14:prism/>
+      </p:transition>
+    </mc:Choice>
+    <mc:Fallback>
+      <p:transition spd="slow">
+        <p:fade/>
+      </p:transition>
+    </mc:Fallback>
+  </mc:AlternateContent>
 </p:sldLayout>
 </file>
 
@@ -9967,6 +10303,18 @@
   <p:clrMapOvr>
     <a:masterClrMapping/>
   </p:clrMapOvr>
+  <mc:AlternateContent xmlns:mc="http://schemas.openxmlformats.org/markup-compatibility/2006">
+    <mc:Choice xmlns:p14="http://schemas.microsoft.com/office/powerpoint/2010/main" Requires="p14">
+      <p:transition spd="slow" p14:dur="1200">
+        <p14:prism/>
+      </p:transition>
+    </mc:Choice>
+    <mc:Fallback>
+      <p:transition spd="slow">
+        <p:fade/>
+      </p:transition>
+    </mc:Fallback>
+  </mc:AlternateContent>
 </p:sldLayout>
 </file>
 
@@ -10085,6 +10433,18 @@
   <p:clrMapOvr>
     <a:masterClrMapping/>
   </p:clrMapOvr>
+  <mc:AlternateContent xmlns:mc="http://schemas.openxmlformats.org/markup-compatibility/2006">
+    <mc:Choice xmlns:p14="http://schemas.microsoft.com/office/powerpoint/2010/main" Requires="p14">
+      <p:transition spd="slow" p14:dur="1200">
+        <p14:prism/>
+      </p:transition>
+    </mc:Choice>
+    <mc:Fallback>
+      <p:transition spd="slow">
+        <p:fade/>
+      </p:transition>
+    </mc:Fallback>
+  </mc:AlternateContent>
 </p:sldLayout>
 </file>
 
@@ -10180,6 +10540,18 @@
   <p:clrMapOvr>
     <a:masterClrMapping/>
   </p:clrMapOvr>
+  <mc:AlternateContent xmlns:mc="http://schemas.openxmlformats.org/markup-compatibility/2006">
+    <mc:Choice xmlns:p14="http://schemas.microsoft.com/office/powerpoint/2010/main" Requires="p14">
+      <p:transition spd="slow" p14:dur="1200">
+        <p14:prism/>
+      </p:transition>
+    </mc:Choice>
+    <mc:Fallback>
+      <p:transition spd="slow">
+        <p:fade/>
+      </p:transition>
+    </mc:Fallback>
+  </mc:AlternateContent>
 </p:sldLayout>
 </file>
 
@@ -10464,6 +10836,18 @@
   <p:clrMapOvr>
     <a:masterClrMapping/>
   </p:clrMapOvr>
+  <mc:AlternateContent xmlns:mc="http://schemas.openxmlformats.org/markup-compatibility/2006">
+    <mc:Choice xmlns:p14="http://schemas.microsoft.com/office/powerpoint/2010/main" Requires="p14">
+      <p:transition spd="slow" p14:dur="1200">
+        <p14:prism/>
+      </p:transition>
+    </mc:Choice>
+    <mc:Fallback>
+      <p:transition spd="slow">
+        <p:fade/>
+      </p:transition>
+    </mc:Fallback>
+  </mc:AlternateContent>
 </p:sldLayout>
 </file>
 
@@ -10728,6 +11112,18 @@
   <p:clrMapOvr>
     <a:masterClrMapping/>
   </p:clrMapOvr>
+  <mc:AlternateContent xmlns:mc="http://schemas.openxmlformats.org/markup-compatibility/2006">
+    <mc:Choice xmlns:p14="http://schemas.microsoft.com/office/powerpoint/2010/main" Requires="p14">
+      <p:transition spd="slow" p14:dur="1200">
+        <p14:prism/>
+      </p:transition>
+    </mc:Choice>
+    <mc:Fallback>
+      <p:transition spd="slow">
+        <p:fade/>
+      </p:transition>
+    </mc:Fallback>
+  </mc:AlternateContent>
 </p:sldLayout>
 </file>
 
@@ -10990,6 +11386,18 @@
     <p:sldLayoutId id="2147483706" r:id="rId10"/>
     <p:sldLayoutId id="2147483707" r:id="rId11"/>
   </p:sldLayoutIdLst>
+  <mc:AlternateContent xmlns:mc="http://schemas.openxmlformats.org/markup-compatibility/2006">
+    <mc:Choice xmlns:p14="http://schemas.microsoft.com/office/powerpoint/2010/main" Requires="p14">
+      <p:transition spd="slow" p14:dur="1200">
+        <p14:prism/>
+      </p:transition>
+    </mc:Choice>
+    <mc:Fallback>
+      <p:transition spd="slow">
+        <p:fade/>
+      </p:transition>
+    </mc:Fallback>
+  </mc:AlternateContent>
   <p:txStyles>
     <p:titleStyle>
       <a:lvl1pPr algn="l" defTabSz="914400" rtl="0" eaLnBrk="1" latinLnBrk="0" hangingPunct="1">
@@ -11258,7 +11666,7 @@
       </a:lvl9pPr>
     </p:otherStyle>
   </p:txStyles>
-  <p:extLst>
+  <p:extLst mod="1">
     <p:ext uri="{27BBF7A9-308A-43DC-89C8-2F10F3537804}">
       <p15:sldGuideLst xmlns:p15="http://schemas.microsoft.com/office/powerpoint/2012/main"/>
     </p:ext>
@@ -11525,6 +11933,18 @@
     <p:sldLayoutId id="2147483718" r:id="rId10"/>
     <p:sldLayoutId id="2147483719" r:id="rId11"/>
   </p:sldLayoutIdLst>
+  <mc:AlternateContent xmlns:mc="http://schemas.openxmlformats.org/markup-compatibility/2006">
+    <mc:Choice xmlns:p14="http://schemas.microsoft.com/office/powerpoint/2010/main" Requires="p14">
+      <p:transition spd="slow" p14:dur="1200">
+        <p14:prism/>
+      </p:transition>
+    </mc:Choice>
+    <mc:Fallback>
+      <p:transition spd="slow">
+        <p:fade/>
+      </p:transition>
+    </mc:Fallback>
+  </mc:AlternateContent>
   <p:txStyles>
     <p:titleStyle>
       <a:lvl1pPr algn="l" defTabSz="914400" rtl="0" eaLnBrk="1" latinLnBrk="0" hangingPunct="1">
@@ -11793,7 +12213,7 @@
       </a:lvl9pPr>
     </p:otherStyle>
   </p:txStyles>
-  <p:extLst>
+  <p:extLst mod="1">
     <p:ext uri="{27BBF7A9-308A-43DC-89C8-2F10F3537804}">
       <p15:sldGuideLst xmlns:p15="http://schemas.microsoft.com/office/powerpoint/2012/main"/>
     </p:ext>
@@ -12136,6 +12556,18 @@
     <p:sldLayoutId id="2147483730" r:id="rId10"/>
     <p:sldLayoutId id="2147483731" r:id="rId11"/>
   </p:sldLayoutIdLst>
+  <mc:AlternateContent xmlns:mc="http://schemas.openxmlformats.org/markup-compatibility/2006">
+    <mc:Choice xmlns:p14="http://schemas.microsoft.com/office/powerpoint/2010/main" Requires="p14">
+      <p:transition spd="slow" p14:dur="1200">
+        <p14:prism/>
+      </p:transition>
+    </mc:Choice>
+    <mc:Fallback>
+      <p:transition spd="slow">
+        <p:fade/>
+      </p:transition>
+    </mc:Fallback>
+  </mc:AlternateContent>
   <p:txStyles>
     <p:titleStyle>
       <a:lvl1pPr algn="l" defTabSz="914400" rtl="0" eaLnBrk="1" latinLnBrk="0" hangingPunct="1">
@@ -12494,7 +12926,7 @@
       </a:lvl9pPr>
     </p:otherStyle>
   </p:txStyles>
-  <p:extLst>
+  <p:extLst mod="1">
     <p:ext uri="{27BBF7A9-308A-43DC-89C8-2F10F3537804}">
       <p15:sldGuideLst xmlns:p15="http://schemas.microsoft.com/office/powerpoint/2012/main"/>
     </p:ext>
@@ -12637,13 +13069,13 @@
   <p:clrMapOvr>
     <a:masterClrMapping/>
   </p:clrMapOvr>
-  <mc:AlternateContent xmlns:mc="http://schemas.openxmlformats.org/markup-compatibility/2006" xmlns:p14="http://schemas.microsoft.com/office/powerpoint/2010/main">
-    <mc:Choice Requires="p14">
+  <mc:AlternateContent xmlns:mc="http://schemas.openxmlformats.org/markup-compatibility/2006">
+    <mc:Choice xmlns:p14="http://schemas.microsoft.com/office/powerpoint/2010/main" Requires="p14">
       <p:transition spd="slow" p14:dur="1200">
         <p14:prism/>
       </p:transition>
     </mc:Choice>
-    <mc:Fallback xmlns="">
+    <mc:Fallback>
       <p:transition spd="slow">
         <p:fade/>
       </p:transition>
@@ -12747,13 +13179,13 @@
   <p:clrMapOvr>
     <a:masterClrMapping/>
   </p:clrMapOvr>
-  <mc:AlternateContent xmlns:mc="http://schemas.openxmlformats.org/markup-compatibility/2006" xmlns:p14="http://schemas.microsoft.com/office/powerpoint/2010/main">
-    <mc:Choice Requires="p14">
+  <mc:AlternateContent xmlns:mc="http://schemas.openxmlformats.org/markup-compatibility/2006">
+    <mc:Choice xmlns:p14="http://schemas.microsoft.com/office/powerpoint/2010/main" Requires="p14">
       <p:transition spd="slow" p14:dur="1200">
         <p14:prism/>
       </p:transition>
     </mc:Choice>
-    <mc:Fallback xmlns="">
+    <mc:Fallback>
       <p:transition spd="slow">
         <p:fade/>
       </p:transition>
@@ -12896,13 +13328,13 @@
   <p:clrMapOvr>
     <a:masterClrMapping/>
   </p:clrMapOvr>
-  <mc:AlternateContent xmlns:mc="http://schemas.openxmlformats.org/markup-compatibility/2006" xmlns:p14="http://schemas.microsoft.com/office/powerpoint/2010/main">
-    <mc:Choice Requires="p14">
+  <mc:AlternateContent xmlns:mc="http://schemas.openxmlformats.org/markup-compatibility/2006">
+    <mc:Choice xmlns:p14="http://schemas.microsoft.com/office/powerpoint/2010/main" Requires="p14">
       <p:transition spd="slow" p14:dur="1200">
         <p14:prism/>
       </p:transition>
     </mc:Choice>
-    <mc:Fallback xmlns="">
+    <mc:Fallback>
       <p:transition spd="slow">
         <p:fade/>
       </p:transition>
@@ -13006,13 +13438,13 @@
   <p:clrMapOvr>
     <a:masterClrMapping/>
   </p:clrMapOvr>
-  <mc:AlternateContent xmlns:mc="http://schemas.openxmlformats.org/markup-compatibility/2006" xmlns:p14="http://schemas.microsoft.com/office/powerpoint/2010/main">
-    <mc:Choice Requires="p14">
+  <mc:AlternateContent xmlns:mc="http://schemas.openxmlformats.org/markup-compatibility/2006">
+    <mc:Choice xmlns:p14="http://schemas.microsoft.com/office/powerpoint/2010/main" Requires="p14">
       <p:transition spd="slow" p14:dur="1200">
         <p14:prism/>
       </p:transition>
     </mc:Choice>
-    <mc:Fallback xmlns="">
+    <mc:Fallback>
       <p:transition spd="slow">
         <p:fade/>
       </p:transition>
@@ -13131,13 +13563,13 @@
   <p:clrMapOvr>
     <a:masterClrMapping/>
   </p:clrMapOvr>
-  <mc:AlternateContent xmlns:mc="http://schemas.openxmlformats.org/markup-compatibility/2006" xmlns:p14="http://schemas.microsoft.com/office/powerpoint/2010/main">
-    <mc:Choice Requires="p14">
+  <mc:AlternateContent xmlns:mc="http://schemas.openxmlformats.org/markup-compatibility/2006">
+    <mc:Choice xmlns:p14="http://schemas.microsoft.com/office/powerpoint/2010/main" Requires="p14">
       <p:transition spd="slow" p14:dur="1200">
         <p14:prism/>
       </p:transition>
     </mc:Choice>
-    <mc:Fallback xmlns="">
+    <mc:Fallback>
       <p:transition spd="slow">
         <p:fade/>
       </p:transition>
@@ -13300,13 +13732,13 @@
   <p:clrMapOvr>
     <a:masterClrMapping/>
   </p:clrMapOvr>
-  <mc:AlternateContent xmlns:mc="http://schemas.openxmlformats.org/markup-compatibility/2006" xmlns:p14="http://schemas.microsoft.com/office/powerpoint/2010/main">
-    <mc:Choice Requires="p14">
+  <mc:AlternateContent xmlns:mc="http://schemas.openxmlformats.org/markup-compatibility/2006">
+    <mc:Choice xmlns:p14="http://schemas.microsoft.com/office/powerpoint/2010/main" Requires="p14">
       <p:transition spd="slow" p14:dur="1200">
         <p14:prism/>
       </p:transition>
     </mc:Choice>
-    <mc:Fallback xmlns="">
+    <mc:Fallback>
       <p:transition spd="slow">
         <p:fade/>
       </p:transition>
@@ -13506,13 +13938,13 @@
   <p:clrMapOvr>
     <a:masterClrMapping/>
   </p:clrMapOvr>
-  <mc:AlternateContent xmlns:mc="http://schemas.openxmlformats.org/markup-compatibility/2006" xmlns:p14="http://schemas.microsoft.com/office/powerpoint/2010/main">
-    <mc:Choice Requires="p14">
+  <mc:AlternateContent xmlns:mc="http://schemas.openxmlformats.org/markup-compatibility/2006">
+    <mc:Choice xmlns:p14="http://schemas.microsoft.com/office/powerpoint/2010/main" Requires="p14">
       <p:transition spd="slow" p14:dur="1200">
         <p14:prism/>
       </p:transition>
     </mc:Choice>
-    <mc:Fallback xmlns="">
+    <mc:Fallback>
       <p:transition spd="slow">
         <p:fade/>
       </p:transition>
@@ -13706,13 +14138,13 @@
   <p:clrMapOvr>
     <a:masterClrMapping/>
   </p:clrMapOvr>
-  <mc:AlternateContent xmlns:mc="http://schemas.openxmlformats.org/markup-compatibility/2006" xmlns:p14="http://schemas.microsoft.com/office/powerpoint/2010/main">
-    <mc:Choice Requires="p14">
+  <mc:AlternateContent xmlns:mc="http://schemas.openxmlformats.org/markup-compatibility/2006">
+    <mc:Choice xmlns:p14="http://schemas.microsoft.com/office/powerpoint/2010/main" Requires="p14">
       <p:transition spd="slow" p14:dur="1200">
         <p14:prism/>
       </p:transition>
     </mc:Choice>
-    <mc:Fallback xmlns="">
+    <mc:Fallback>
       <p:transition spd="slow">
         <p:fade/>
       </p:transition>
@@ -13841,14 +14273,14 @@
   <p:clrMapOvr>
     <a:masterClrMapping/>
   </p:clrMapOvr>
-  <mc:AlternateContent xmlns:mc="http://schemas.openxmlformats.org/markup-compatibility/2006" xmlns:p14="http://schemas.microsoft.com/office/powerpoint/2010/main">
-    <mc:Choice Requires="p14">
-      <p:transition spd="slow" p14:dur="1200" advTm="10000">
+  <mc:AlternateContent xmlns:mc="http://schemas.openxmlformats.org/markup-compatibility/2006">
+    <mc:Choice xmlns:p14="http://schemas.microsoft.com/office/powerpoint/2010/main" Requires="p14">
+      <p:transition spd="slow" p14:dur="1200">
         <p14:prism/>
       </p:transition>
     </mc:Choice>
-    <mc:Fallback xmlns="">
-      <p:transition spd="slow" advTm="10000">
+    <mc:Fallback>
+      <p:transition spd="slow">
         <p:fade/>
       </p:transition>
     </mc:Fallback>
@@ -14159,13 +14591,13 @@
   <p:clrMapOvr>
     <a:masterClrMapping/>
   </p:clrMapOvr>
-  <mc:AlternateContent xmlns:mc="http://schemas.openxmlformats.org/markup-compatibility/2006" xmlns:p14="http://schemas.microsoft.com/office/powerpoint/2010/main">
-    <mc:Choice Requires="p14">
+  <mc:AlternateContent xmlns:mc="http://schemas.openxmlformats.org/markup-compatibility/2006">
+    <mc:Choice xmlns:p14="http://schemas.microsoft.com/office/powerpoint/2010/main" Requires="p14">
       <p:transition spd="slow" p14:dur="1200">
         <p14:prism/>
       </p:transition>
     </mc:Choice>
-    <mc:Fallback xmlns="">
+    <mc:Fallback>
       <p:transition spd="slow">
         <p:fade/>
       </p:transition>
@@ -14463,13 +14895,13 @@
   <p:clrMapOvr>
     <a:masterClrMapping/>
   </p:clrMapOvr>
-  <mc:AlternateContent xmlns:mc="http://schemas.openxmlformats.org/markup-compatibility/2006" xmlns:p14="http://schemas.microsoft.com/office/powerpoint/2010/main">
-    <mc:Choice Requires="p14">
+  <mc:AlternateContent xmlns:mc="http://schemas.openxmlformats.org/markup-compatibility/2006">
+    <mc:Choice xmlns:p14="http://schemas.microsoft.com/office/powerpoint/2010/main" Requires="p14">
       <p:transition spd="slow" p14:dur="1200">
         <p14:prism/>
       </p:transition>
     </mc:Choice>
-    <mc:Fallback xmlns="">
+    <mc:Fallback>
       <p:transition spd="slow">
         <p:fade/>
       </p:transition>
@@ -14669,6 +15101,18 @@
   <p:clrMapOvr>
     <a:masterClrMapping/>
   </p:clrMapOvr>
+  <mc:AlternateContent xmlns:mc="http://schemas.openxmlformats.org/markup-compatibility/2006">
+    <mc:Choice xmlns:p14="http://schemas.microsoft.com/office/powerpoint/2010/main" Requires="p14">
+      <p:transition spd="slow" p14:dur="1200">
+        <p14:prism/>
+      </p:transition>
+    </mc:Choice>
+    <mc:Fallback>
+      <p:transition spd="slow">
+        <p:fade/>
+      </p:transition>
+    </mc:Fallback>
+  </mc:AlternateContent>
 </p:sld>
 </file>
 
@@ -14763,13 +15207,13 @@
   <p:clrMapOvr>
     <a:masterClrMapping/>
   </p:clrMapOvr>
-  <mc:AlternateContent xmlns:mc="http://schemas.openxmlformats.org/markup-compatibility/2006" xmlns:p14="http://schemas.microsoft.com/office/powerpoint/2010/main">
-    <mc:Choice Requires="p14">
+  <mc:AlternateContent xmlns:mc="http://schemas.openxmlformats.org/markup-compatibility/2006">
+    <mc:Choice xmlns:p14="http://schemas.microsoft.com/office/powerpoint/2010/main" Requires="p14">
       <p:transition spd="slow" p14:dur="1200">
         <p14:prism/>
       </p:transition>
     </mc:Choice>
-    <mc:Fallback xmlns="">
+    <mc:Fallback>
       <p:transition spd="slow">
         <p:fade/>
       </p:transition>
@@ -15825,6 +16269,18 @@
   <p:clrMapOvr>
     <a:masterClrMapping/>
   </p:clrMapOvr>
+  <mc:AlternateContent xmlns:mc="http://schemas.openxmlformats.org/markup-compatibility/2006">
+    <mc:Choice xmlns:p14="http://schemas.microsoft.com/office/powerpoint/2010/main" Requires="p14">
+      <p:transition spd="slow" p14:dur="1200">
+        <p14:prism/>
+      </p:transition>
+    </mc:Choice>
+    <mc:Fallback>
+      <p:transition spd="slow">
+        <p:fade/>
+      </p:transition>
+    </mc:Fallback>
+  </mc:AlternateContent>
 </p:sld>
 </file>
 
@@ -15923,13 +16379,13 @@
   <p:clrMapOvr>
     <a:masterClrMapping/>
   </p:clrMapOvr>
-  <mc:AlternateContent xmlns:mc="http://schemas.openxmlformats.org/markup-compatibility/2006" xmlns:p14="http://schemas.microsoft.com/office/powerpoint/2010/main">
-    <mc:Choice Requires="p14">
+  <mc:AlternateContent xmlns:mc="http://schemas.openxmlformats.org/markup-compatibility/2006">
+    <mc:Choice xmlns:p14="http://schemas.microsoft.com/office/powerpoint/2010/main" Requires="p14">
       <p:transition spd="slow" p14:dur="1200">
         <p14:prism/>
       </p:transition>
     </mc:Choice>
-    <mc:Fallback xmlns="">
+    <mc:Fallback>
       <p:transition spd="slow">
         <p:fade/>
       </p:transition>
@@ -16079,13 +16535,13 @@
   <p:clrMapOvr>
     <a:masterClrMapping/>
   </p:clrMapOvr>
-  <mc:AlternateContent xmlns:mc="http://schemas.openxmlformats.org/markup-compatibility/2006" xmlns:p14="http://schemas.microsoft.com/office/powerpoint/2010/main">
-    <mc:Choice Requires="p14">
+  <mc:AlternateContent xmlns:mc="http://schemas.openxmlformats.org/markup-compatibility/2006">
+    <mc:Choice xmlns:p14="http://schemas.microsoft.com/office/powerpoint/2010/main" Requires="p14">
       <p:transition spd="slow" p14:dur="1200">
         <p14:prism/>
       </p:transition>
     </mc:Choice>
-    <mc:Fallback xmlns="">
+    <mc:Fallback>
       <p:transition spd="slow">
         <p:fade/>
       </p:transition>

--- a/Planung/Praesentationen/Praesentation_Leonding.pptx
+++ b/Planung/Praesentationen/Praesentation_Leonding.pptx
@@ -2827,7 +2827,7 @@
           <a:p>
             <a:fld id="{6C12F6B1-6786-4E64-B681-F379C9A54FC0}" type="datetimeFigureOut">
               <a:rPr lang="de-AT" smtClean="0"/>
-              <a:t>04.04.2018</a:t>
+              <a:t>05.04.2018</a:t>
             </a:fld>
             <a:endParaRPr lang="de-AT"/>
           </a:p>
@@ -3627,7 +3627,7 @@
           <a:p>
             <a:fld id="{83C286D2-5717-406C-AD4B-C4A69D5338FB}" type="datetimeFigureOut">
               <a:rPr lang="de-AT" smtClean="0"/>
-              <a:t>04.04.2018</a:t>
+              <a:t>05.04.2018</a:t>
             </a:fld>
             <a:endParaRPr lang="de-AT"/>
           </a:p>
@@ -3685,13 +3685,13 @@
   <p:clrMapOvr>
     <a:masterClrMapping/>
   </p:clrMapOvr>
-  <mc:AlternateContent xmlns:mc="http://schemas.openxmlformats.org/markup-compatibility/2006">
-    <mc:Choice xmlns:p14="http://schemas.microsoft.com/office/powerpoint/2010/main" Requires="p14">
+  <mc:AlternateContent xmlns:mc="http://schemas.openxmlformats.org/markup-compatibility/2006" xmlns:p14="http://schemas.microsoft.com/office/powerpoint/2010/main">
+    <mc:Choice Requires="p14">
       <p:transition spd="slow" p14:dur="1200">
         <p14:prism/>
       </p:transition>
     </mc:Choice>
-    <mc:Fallback>
+    <mc:Fallback xmlns="">
       <p:transition spd="slow">
         <p:fade/>
       </p:transition>
@@ -3809,7 +3809,7 @@
           <a:p>
             <a:fld id="{83C286D2-5717-406C-AD4B-C4A69D5338FB}" type="datetimeFigureOut">
               <a:rPr lang="de-AT" smtClean="0"/>
-              <a:t>04.04.2018</a:t>
+              <a:t>05.04.2018</a:t>
             </a:fld>
             <a:endParaRPr lang="de-AT"/>
           </a:p>
@@ -3867,13 +3867,13 @@
   <p:clrMapOvr>
     <a:masterClrMapping/>
   </p:clrMapOvr>
-  <mc:AlternateContent xmlns:mc="http://schemas.openxmlformats.org/markup-compatibility/2006">
-    <mc:Choice xmlns:p14="http://schemas.microsoft.com/office/powerpoint/2010/main" Requires="p14">
+  <mc:AlternateContent xmlns:mc="http://schemas.openxmlformats.org/markup-compatibility/2006" xmlns:p14="http://schemas.microsoft.com/office/powerpoint/2010/main">
+    <mc:Choice Requires="p14">
       <p:transition spd="slow" p14:dur="1200">
         <p14:prism/>
       </p:transition>
     </mc:Choice>
-    <mc:Fallback>
+    <mc:Fallback xmlns="">
       <p:transition spd="slow">
         <p:fade/>
       </p:transition>
@@ -4001,7 +4001,7 @@
           <a:p>
             <a:fld id="{83C286D2-5717-406C-AD4B-C4A69D5338FB}" type="datetimeFigureOut">
               <a:rPr lang="de-AT" smtClean="0"/>
-              <a:t>04.04.2018</a:t>
+              <a:t>05.04.2018</a:t>
             </a:fld>
             <a:endParaRPr lang="de-AT"/>
           </a:p>
@@ -4059,13 +4059,13 @@
   <p:clrMapOvr>
     <a:masterClrMapping/>
   </p:clrMapOvr>
-  <mc:AlternateContent xmlns:mc="http://schemas.openxmlformats.org/markup-compatibility/2006">
-    <mc:Choice xmlns:p14="http://schemas.microsoft.com/office/powerpoint/2010/main" Requires="p14">
+  <mc:AlternateContent xmlns:mc="http://schemas.openxmlformats.org/markup-compatibility/2006" xmlns:p14="http://schemas.microsoft.com/office/powerpoint/2010/main">
+    <mc:Choice Requires="p14">
       <p:transition spd="slow" p14:dur="1200">
         <p14:prism/>
       </p:transition>
     </mc:Choice>
-    <mc:Fallback>
+    <mc:Fallback xmlns="">
       <p:transition spd="slow">
         <p:fade/>
       </p:transition>
@@ -4216,7 +4216,7 @@
           <a:p>
             <a:fld id="{83C286D2-5717-406C-AD4B-C4A69D5338FB}" type="datetimeFigureOut">
               <a:rPr lang="de-AT" smtClean="0"/>
-              <a:t>04.04.2018</a:t>
+              <a:t>05.04.2018</a:t>
             </a:fld>
             <a:endParaRPr lang="de-AT"/>
           </a:p>
@@ -4274,13 +4274,13 @@
   <p:clrMapOvr>
     <a:masterClrMapping/>
   </p:clrMapOvr>
-  <mc:AlternateContent xmlns:mc="http://schemas.openxmlformats.org/markup-compatibility/2006">
-    <mc:Choice xmlns:p14="http://schemas.microsoft.com/office/powerpoint/2010/main" Requires="p14">
+  <mc:AlternateContent xmlns:mc="http://schemas.openxmlformats.org/markup-compatibility/2006" xmlns:p14="http://schemas.microsoft.com/office/powerpoint/2010/main">
+    <mc:Choice Requires="p14">
       <p:transition spd="slow" p14:dur="1200">
         <p14:prism/>
       </p:transition>
     </mc:Choice>
-    <mc:Fallback>
+    <mc:Fallback xmlns="">
       <p:transition spd="slow">
         <p:fade/>
       </p:transition>
@@ -4398,7 +4398,7 @@
           <a:p>
             <a:fld id="{83C286D2-5717-406C-AD4B-C4A69D5338FB}" type="datetimeFigureOut">
               <a:rPr lang="de-AT" smtClean="0"/>
-              <a:t>04.04.2018</a:t>
+              <a:t>05.04.2018</a:t>
             </a:fld>
             <a:endParaRPr lang="de-AT"/>
           </a:p>
@@ -4456,13 +4456,13 @@
   <p:clrMapOvr>
     <a:masterClrMapping/>
   </p:clrMapOvr>
-  <mc:AlternateContent xmlns:mc="http://schemas.openxmlformats.org/markup-compatibility/2006">
-    <mc:Choice xmlns:p14="http://schemas.microsoft.com/office/powerpoint/2010/main" Requires="p14">
+  <mc:AlternateContent xmlns:mc="http://schemas.openxmlformats.org/markup-compatibility/2006" xmlns:p14="http://schemas.microsoft.com/office/powerpoint/2010/main">
+    <mc:Choice Requires="p14">
       <p:transition spd="slow" p14:dur="1200">
         <p14:prism/>
       </p:transition>
     </mc:Choice>
-    <mc:Fallback>
+    <mc:Fallback xmlns="">
       <p:transition spd="slow">
         <p:fade/>
       </p:transition>
@@ -4661,7 +4661,7 @@
           <a:p>
             <a:fld id="{83C286D2-5717-406C-AD4B-C4A69D5338FB}" type="datetimeFigureOut">
               <a:rPr lang="de-AT" smtClean="0"/>
-              <a:t>04.04.2018</a:t>
+              <a:t>05.04.2018</a:t>
             </a:fld>
             <a:endParaRPr lang="de-AT"/>
           </a:p>
@@ -4719,13 +4719,13 @@
   <p:clrMapOvr>
     <a:masterClrMapping/>
   </p:clrMapOvr>
-  <mc:AlternateContent xmlns:mc="http://schemas.openxmlformats.org/markup-compatibility/2006">
-    <mc:Choice xmlns:p14="http://schemas.microsoft.com/office/powerpoint/2010/main" Requires="p14">
+  <mc:AlternateContent xmlns:mc="http://schemas.openxmlformats.org/markup-compatibility/2006" xmlns:p14="http://schemas.microsoft.com/office/powerpoint/2010/main">
+    <mc:Choice Requires="p14">
       <p:transition spd="slow" p14:dur="1200">
         <p14:prism/>
       </p:transition>
     </mc:Choice>
-    <mc:Fallback>
+    <mc:Fallback xmlns="">
       <p:transition spd="slow">
         <p:fade/>
       </p:transition>
@@ -4905,7 +4905,7 @@
           <a:p>
             <a:fld id="{83C286D2-5717-406C-AD4B-C4A69D5338FB}" type="datetimeFigureOut">
               <a:rPr lang="de-AT" smtClean="0"/>
-              <a:t>04.04.2018</a:t>
+              <a:t>05.04.2018</a:t>
             </a:fld>
             <a:endParaRPr lang="de-AT"/>
           </a:p>
@@ -4963,13 +4963,13 @@
   <p:clrMapOvr>
     <a:masterClrMapping/>
   </p:clrMapOvr>
-  <mc:AlternateContent xmlns:mc="http://schemas.openxmlformats.org/markup-compatibility/2006">
-    <mc:Choice xmlns:p14="http://schemas.microsoft.com/office/powerpoint/2010/main" Requires="p14">
+  <mc:AlternateContent xmlns:mc="http://schemas.openxmlformats.org/markup-compatibility/2006" xmlns:p14="http://schemas.microsoft.com/office/powerpoint/2010/main">
+    <mc:Choice Requires="p14">
       <p:transition spd="slow" p14:dur="1200">
         <p14:prism/>
       </p:transition>
     </mc:Choice>
-    <mc:Fallback>
+    <mc:Fallback xmlns="">
       <p:transition spd="slow">
         <p:fade/>
       </p:transition>
@@ -5264,7 +5264,7 @@
           <a:p>
             <a:fld id="{83C286D2-5717-406C-AD4B-C4A69D5338FB}" type="datetimeFigureOut">
               <a:rPr lang="de-AT" smtClean="0"/>
-              <a:t>04.04.2018</a:t>
+              <a:t>05.04.2018</a:t>
             </a:fld>
             <a:endParaRPr lang="de-AT"/>
           </a:p>
@@ -5345,13 +5345,13 @@
   <p:clrMapOvr>
     <a:masterClrMapping/>
   </p:clrMapOvr>
-  <mc:AlternateContent xmlns:mc="http://schemas.openxmlformats.org/markup-compatibility/2006">
-    <mc:Choice xmlns:p14="http://schemas.microsoft.com/office/powerpoint/2010/main" Requires="p14">
+  <mc:AlternateContent xmlns:mc="http://schemas.openxmlformats.org/markup-compatibility/2006" xmlns:p14="http://schemas.microsoft.com/office/powerpoint/2010/main">
+    <mc:Choice Requires="p14">
       <p:transition spd="slow" p14:dur="1200">
         <p14:prism/>
       </p:transition>
     </mc:Choice>
-    <mc:Fallback>
+    <mc:Fallback xmlns="">
       <p:transition spd="slow">
         <p:fade/>
       </p:transition>
@@ -5394,7 +5394,7 @@
           <a:p>
             <a:fld id="{83C286D2-5717-406C-AD4B-C4A69D5338FB}" type="datetimeFigureOut">
               <a:rPr lang="de-AT" smtClean="0"/>
-              <a:t>04.04.2018</a:t>
+              <a:t>05.04.2018</a:t>
             </a:fld>
             <a:endParaRPr lang="de-AT"/>
           </a:p>
@@ -5475,13 +5475,13 @@
   <p:clrMapOvr>
     <a:masterClrMapping/>
   </p:clrMapOvr>
-  <mc:AlternateContent xmlns:mc="http://schemas.openxmlformats.org/markup-compatibility/2006">
-    <mc:Choice xmlns:p14="http://schemas.microsoft.com/office/powerpoint/2010/main" Requires="p14">
+  <mc:AlternateContent xmlns:mc="http://schemas.openxmlformats.org/markup-compatibility/2006" xmlns:p14="http://schemas.microsoft.com/office/powerpoint/2010/main">
+    <mc:Choice Requires="p14">
       <p:transition spd="slow" p14:dur="1200">
         <p14:prism/>
       </p:transition>
     </mc:Choice>
-    <mc:Fallback>
+    <mc:Fallback xmlns="">
       <p:transition spd="slow">
         <p:fade/>
       </p:transition>
@@ -5524,7 +5524,7 @@
           <a:p>
             <a:fld id="{83C286D2-5717-406C-AD4B-C4A69D5338FB}" type="datetimeFigureOut">
               <a:rPr lang="de-AT" smtClean="0"/>
-              <a:t>04.04.2018</a:t>
+              <a:t>05.04.2018</a:t>
             </a:fld>
             <a:endParaRPr lang="de-AT"/>
           </a:p>
@@ -5582,13 +5582,13 @@
   <p:clrMapOvr>
     <a:masterClrMapping/>
   </p:clrMapOvr>
-  <mc:AlternateContent xmlns:mc="http://schemas.openxmlformats.org/markup-compatibility/2006">
-    <mc:Choice xmlns:p14="http://schemas.microsoft.com/office/powerpoint/2010/main" Requires="p14">
+  <mc:AlternateContent xmlns:mc="http://schemas.openxmlformats.org/markup-compatibility/2006" xmlns:p14="http://schemas.microsoft.com/office/powerpoint/2010/main">
+    <mc:Choice Requires="p14">
       <p:transition spd="slow" p14:dur="1200">
         <p14:prism/>
       </p:transition>
     </mc:Choice>
-    <mc:Fallback>
+    <mc:Fallback xmlns="">
       <p:transition spd="slow">
         <p:fade/>
       </p:transition>
@@ -5820,7 +5820,7 @@
           <a:p>
             <a:fld id="{83C286D2-5717-406C-AD4B-C4A69D5338FB}" type="datetimeFigureOut">
               <a:rPr lang="de-AT" smtClean="0"/>
-              <a:t>04.04.2018</a:t>
+              <a:t>05.04.2018</a:t>
             </a:fld>
             <a:endParaRPr lang="de-AT"/>
           </a:p>
@@ -5878,13 +5878,13 @@
   <p:clrMapOvr>
     <a:masterClrMapping/>
   </p:clrMapOvr>
-  <mc:AlternateContent xmlns:mc="http://schemas.openxmlformats.org/markup-compatibility/2006">
-    <mc:Choice xmlns:p14="http://schemas.microsoft.com/office/powerpoint/2010/main" Requires="p14">
+  <mc:AlternateContent xmlns:mc="http://schemas.openxmlformats.org/markup-compatibility/2006" xmlns:p14="http://schemas.microsoft.com/office/powerpoint/2010/main">
+    <mc:Choice Requires="p14">
       <p:transition spd="slow" p14:dur="1200">
         <p14:prism/>
       </p:transition>
     </mc:Choice>
-    <mc:Fallback>
+    <mc:Fallback xmlns="">
       <p:transition spd="slow">
         <p:fade/>
       </p:transition>
@@ -6002,7 +6002,7 @@
           <a:p>
             <a:fld id="{83C286D2-5717-406C-AD4B-C4A69D5338FB}" type="datetimeFigureOut">
               <a:rPr lang="de-AT" smtClean="0"/>
-              <a:t>04.04.2018</a:t>
+              <a:t>05.04.2018</a:t>
             </a:fld>
             <a:endParaRPr lang="de-AT"/>
           </a:p>
@@ -6060,13 +6060,13 @@
   <p:clrMapOvr>
     <a:masterClrMapping/>
   </p:clrMapOvr>
-  <mc:AlternateContent xmlns:mc="http://schemas.openxmlformats.org/markup-compatibility/2006">
-    <mc:Choice xmlns:p14="http://schemas.microsoft.com/office/powerpoint/2010/main" Requires="p14">
+  <mc:AlternateContent xmlns:mc="http://schemas.openxmlformats.org/markup-compatibility/2006" xmlns:p14="http://schemas.microsoft.com/office/powerpoint/2010/main">
+    <mc:Choice Requires="p14">
       <p:transition spd="slow" p14:dur="1200">
         <p14:prism/>
       </p:transition>
     </mc:Choice>
-    <mc:Fallback>
+    <mc:Fallback xmlns="">
       <p:transition spd="slow">
         <p:fade/>
       </p:transition>
@@ -6278,7 +6278,7 @@
           <a:p>
             <a:fld id="{83C286D2-5717-406C-AD4B-C4A69D5338FB}" type="datetimeFigureOut">
               <a:rPr lang="de-AT" smtClean="0"/>
-              <a:t>04.04.2018</a:t>
+              <a:t>05.04.2018</a:t>
             </a:fld>
             <a:endParaRPr lang="de-AT"/>
           </a:p>
@@ -6336,13 +6336,13 @@
   <p:clrMapOvr>
     <a:masterClrMapping/>
   </p:clrMapOvr>
-  <mc:AlternateContent xmlns:mc="http://schemas.openxmlformats.org/markup-compatibility/2006">
-    <mc:Choice xmlns:p14="http://schemas.microsoft.com/office/powerpoint/2010/main" Requires="p14">
+  <mc:AlternateContent xmlns:mc="http://schemas.openxmlformats.org/markup-compatibility/2006" xmlns:p14="http://schemas.microsoft.com/office/powerpoint/2010/main">
+    <mc:Choice Requires="p14">
       <p:transition spd="slow" p14:dur="1200">
         <p14:prism/>
       </p:transition>
     </mc:Choice>
-    <mc:Fallback>
+    <mc:Fallback xmlns="">
       <p:transition spd="slow">
         <p:fade/>
       </p:transition>
@@ -6460,7 +6460,7 @@
           <a:p>
             <a:fld id="{83C286D2-5717-406C-AD4B-C4A69D5338FB}" type="datetimeFigureOut">
               <a:rPr lang="de-AT" smtClean="0"/>
-              <a:t>04.04.2018</a:t>
+              <a:t>05.04.2018</a:t>
             </a:fld>
             <a:endParaRPr lang="de-AT"/>
           </a:p>
@@ -6518,13 +6518,13 @@
   <p:clrMapOvr>
     <a:masterClrMapping/>
   </p:clrMapOvr>
-  <mc:AlternateContent xmlns:mc="http://schemas.openxmlformats.org/markup-compatibility/2006">
-    <mc:Choice xmlns:p14="http://schemas.microsoft.com/office/powerpoint/2010/main" Requires="p14">
+  <mc:AlternateContent xmlns:mc="http://schemas.openxmlformats.org/markup-compatibility/2006" xmlns:p14="http://schemas.microsoft.com/office/powerpoint/2010/main">
+    <mc:Choice Requires="p14">
       <p:transition spd="slow" p14:dur="1200">
         <p14:prism/>
       </p:transition>
     </mc:Choice>
-    <mc:Fallback>
+    <mc:Fallback xmlns="">
       <p:transition spd="slow">
         <p:fade/>
       </p:transition>
@@ -6652,7 +6652,7 @@
           <a:p>
             <a:fld id="{83C286D2-5717-406C-AD4B-C4A69D5338FB}" type="datetimeFigureOut">
               <a:rPr lang="de-AT" smtClean="0"/>
-              <a:t>04.04.2018</a:t>
+              <a:t>05.04.2018</a:t>
             </a:fld>
             <a:endParaRPr lang="de-AT"/>
           </a:p>
@@ -6710,13 +6710,13 @@
   <p:clrMapOvr>
     <a:masterClrMapping/>
   </p:clrMapOvr>
-  <mc:AlternateContent xmlns:mc="http://schemas.openxmlformats.org/markup-compatibility/2006">
-    <mc:Choice xmlns:p14="http://schemas.microsoft.com/office/powerpoint/2010/main" Requires="p14">
+  <mc:AlternateContent xmlns:mc="http://schemas.openxmlformats.org/markup-compatibility/2006" xmlns:p14="http://schemas.microsoft.com/office/powerpoint/2010/main">
+    <mc:Choice Requires="p14">
       <p:transition spd="slow" p14:dur="1200">
         <p14:prism/>
       </p:transition>
     </mc:Choice>
-    <mc:Fallback>
+    <mc:Fallback xmlns="">
       <p:transition spd="slow">
         <p:fade/>
       </p:transition>
@@ -6949,7 +6949,7 @@
           <a:p>
             <a:fld id="{83C286D2-5717-406C-AD4B-C4A69D5338FB}" type="datetimeFigureOut">
               <a:rPr lang="de-AT" smtClean="0"/>
-              <a:t>04.04.2018</a:t>
+              <a:t>05.04.2018</a:t>
             </a:fld>
             <a:endParaRPr lang="de-AT"/>
           </a:p>
@@ -7007,13 +7007,13 @@
   <p:clrMapOvr>
     <a:masterClrMapping/>
   </p:clrMapOvr>
-  <mc:AlternateContent xmlns:mc="http://schemas.openxmlformats.org/markup-compatibility/2006">
-    <mc:Choice xmlns:p14="http://schemas.microsoft.com/office/powerpoint/2010/main" Requires="p14">
+  <mc:AlternateContent xmlns:mc="http://schemas.openxmlformats.org/markup-compatibility/2006" xmlns:p14="http://schemas.microsoft.com/office/powerpoint/2010/main">
+    <mc:Choice Requires="p14">
       <p:transition spd="slow" p14:dur="1200">
         <p14:prism/>
       </p:transition>
     </mc:Choice>
-    <mc:Fallback>
+    <mc:Fallback xmlns="">
       <p:transition spd="slow">
         <p:fade/>
       </p:transition>
@@ -7131,7 +7131,7 @@
           <a:p>
             <a:fld id="{83C286D2-5717-406C-AD4B-C4A69D5338FB}" type="datetimeFigureOut">
               <a:rPr lang="de-AT" smtClean="0"/>
-              <a:t>04.04.2018</a:t>
+              <a:t>05.04.2018</a:t>
             </a:fld>
             <a:endParaRPr lang="de-AT"/>
           </a:p>
@@ -7189,13 +7189,13 @@
   <p:clrMapOvr>
     <a:masterClrMapping/>
   </p:clrMapOvr>
-  <mc:AlternateContent xmlns:mc="http://schemas.openxmlformats.org/markup-compatibility/2006">
-    <mc:Choice xmlns:p14="http://schemas.microsoft.com/office/powerpoint/2010/main" Requires="p14">
+  <mc:AlternateContent xmlns:mc="http://schemas.openxmlformats.org/markup-compatibility/2006" xmlns:p14="http://schemas.microsoft.com/office/powerpoint/2010/main">
+    <mc:Choice Requires="p14">
       <p:transition spd="slow" p14:dur="1200">
         <p14:prism/>
       </p:transition>
     </mc:Choice>
-    <mc:Fallback>
+    <mc:Fallback xmlns="">
       <p:transition spd="slow">
         <p:fade/>
       </p:transition>
@@ -7401,7 +7401,7 @@
           <a:p>
             <a:fld id="{83C286D2-5717-406C-AD4B-C4A69D5338FB}" type="datetimeFigureOut">
               <a:rPr lang="de-AT" smtClean="0"/>
-              <a:t>04.04.2018</a:t>
+              <a:t>05.04.2018</a:t>
             </a:fld>
             <a:endParaRPr lang="de-AT"/>
           </a:p>
@@ -7459,13 +7459,13 @@
   <p:clrMapOvr>
     <a:masterClrMapping/>
   </p:clrMapOvr>
-  <mc:AlternateContent xmlns:mc="http://schemas.openxmlformats.org/markup-compatibility/2006">
-    <mc:Choice xmlns:p14="http://schemas.microsoft.com/office/powerpoint/2010/main" Requires="p14">
+  <mc:AlternateContent xmlns:mc="http://schemas.openxmlformats.org/markup-compatibility/2006" xmlns:p14="http://schemas.microsoft.com/office/powerpoint/2010/main">
+    <mc:Choice Requires="p14">
       <p:transition spd="slow" p14:dur="1200">
         <p14:prism/>
       </p:transition>
     </mc:Choice>
-    <mc:Fallback>
+    <mc:Fallback xmlns="">
       <p:transition spd="slow">
         <p:fade/>
       </p:transition>
@@ -7701,7 +7701,7 @@
           <a:p>
             <a:fld id="{83C286D2-5717-406C-AD4B-C4A69D5338FB}" type="datetimeFigureOut">
               <a:rPr lang="de-AT" smtClean="0"/>
-              <a:t>04.04.2018</a:t>
+              <a:t>05.04.2018</a:t>
             </a:fld>
             <a:endParaRPr lang="de-AT"/>
           </a:p>
@@ -7759,13 +7759,13 @@
   <p:clrMapOvr>
     <a:masterClrMapping/>
   </p:clrMapOvr>
-  <mc:AlternateContent xmlns:mc="http://schemas.openxmlformats.org/markup-compatibility/2006">
-    <mc:Choice xmlns:p14="http://schemas.microsoft.com/office/powerpoint/2010/main" Requires="p14">
+  <mc:AlternateContent xmlns:mc="http://schemas.openxmlformats.org/markup-compatibility/2006" xmlns:p14="http://schemas.microsoft.com/office/powerpoint/2010/main">
+    <mc:Choice Requires="p14">
       <p:transition spd="slow" p14:dur="1200">
         <p14:prism/>
       </p:transition>
     </mc:Choice>
-    <mc:Fallback>
+    <mc:Fallback xmlns="">
       <p:transition spd="slow">
         <p:fade/>
       </p:transition>
@@ -8155,7 +8155,7 @@
           <a:p>
             <a:fld id="{83C286D2-5717-406C-AD4B-C4A69D5338FB}" type="datetimeFigureOut">
               <a:rPr lang="de-AT" smtClean="0"/>
-              <a:t>04.04.2018</a:t>
+              <a:t>05.04.2018</a:t>
             </a:fld>
             <a:endParaRPr lang="de-AT"/>
           </a:p>
@@ -8213,13 +8213,13 @@
   <p:clrMapOvr>
     <a:masterClrMapping/>
   </p:clrMapOvr>
-  <mc:AlternateContent xmlns:mc="http://schemas.openxmlformats.org/markup-compatibility/2006">
-    <mc:Choice xmlns:p14="http://schemas.microsoft.com/office/powerpoint/2010/main" Requires="p14">
+  <mc:AlternateContent xmlns:mc="http://schemas.openxmlformats.org/markup-compatibility/2006" xmlns:p14="http://schemas.microsoft.com/office/powerpoint/2010/main">
+    <mc:Choice Requires="p14">
       <p:transition spd="slow" p14:dur="1200">
         <p14:prism/>
       </p:transition>
     </mc:Choice>
-    <mc:Fallback>
+    <mc:Fallback xmlns="">
       <p:transition spd="slow">
         <p:fade/>
       </p:transition>
@@ -8285,7 +8285,7 @@
           <a:p>
             <a:fld id="{83C286D2-5717-406C-AD4B-C4A69D5338FB}" type="datetimeFigureOut">
               <a:rPr lang="de-AT" smtClean="0"/>
-              <a:t>04.04.2018</a:t>
+              <a:t>05.04.2018</a:t>
             </a:fld>
             <a:endParaRPr lang="de-AT"/>
           </a:p>
@@ -8343,13 +8343,13 @@
   <p:clrMapOvr>
     <a:masterClrMapping/>
   </p:clrMapOvr>
-  <mc:AlternateContent xmlns:mc="http://schemas.openxmlformats.org/markup-compatibility/2006">
-    <mc:Choice xmlns:p14="http://schemas.microsoft.com/office/powerpoint/2010/main" Requires="p14">
+  <mc:AlternateContent xmlns:mc="http://schemas.openxmlformats.org/markup-compatibility/2006" xmlns:p14="http://schemas.microsoft.com/office/powerpoint/2010/main">
+    <mc:Choice Requires="p14">
       <p:transition spd="slow" p14:dur="1200">
         <p14:prism/>
       </p:transition>
     </mc:Choice>
-    <mc:Fallback>
+    <mc:Fallback xmlns="">
       <p:transition spd="slow">
         <p:fade/>
       </p:transition>
@@ -8392,7 +8392,7 @@
           <a:p>
             <a:fld id="{83C286D2-5717-406C-AD4B-C4A69D5338FB}" type="datetimeFigureOut">
               <a:rPr lang="de-AT" smtClean="0"/>
-              <a:t>04.04.2018</a:t>
+              <a:t>05.04.2018</a:t>
             </a:fld>
             <a:endParaRPr lang="de-AT"/>
           </a:p>
@@ -8450,13 +8450,13 @@
   <p:clrMapOvr>
     <a:masterClrMapping/>
   </p:clrMapOvr>
-  <mc:AlternateContent xmlns:mc="http://schemas.openxmlformats.org/markup-compatibility/2006">
-    <mc:Choice xmlns:p14="http://schemas.microsoft.com/office/powerpoint/2010/main" Requires="p14">
+  <mc:AlternateContent xmlns:mc="http://schemas.openxmlformats.org/markup-compatibility/2006" xmlns:p14="http://schemas.microsoft.com/office/powerpoint/2010/main">
+    <mc:Choice Requires="p14">
       <p:transition spd="slow" p14:dur="1200">
         <p14:prism/>
       </p:transition>
     </mc:Choice>
-    <mc:Fallback>
+    <mc:Fallback xmlns="">
       <p:transition spd="slow">
         <p:fade/>
       </p:transition>
@@ -8655,7 +8655,7 @@
           <a:p>
             <a:fld id="{83C286D2-5717-406C-AD4B-C4A69D5338FB}" type="datetimeFigureOut">
               <a:rPr lang="de-AT" smtClean="0"/>
-              <a:t>04.04.2018</a:t>
+              <a:t>05.04.2018</a:t>
             </a:fld>
             <a:endParaRPr lang="de-AT"/>
           </a:p>
@@ -8713,13 +8713,13 @@
   <p:clrMapOvr>
     <a:masterClrMapping/>
   </p:clrMapOvr>
-  <mc:AlternateContent xmlns:mc="http://schemas.openxmlformats.org/markup-compatibility/2006">
-    <mc:Choice xmlns:p14="http://schemas.microsoft.com/office/powerpoint/2010/main" Requires="p14">
+  <mc:AlternateContent xmlns:mc="http://schemas.openxmlformats.org/markup-compatibility/2006" xmlns:p14="http://schemas.microsoft.com/office/powerpoint/2010/main">
+    <mc:Choice Requires="p14">
       <p:transition spd="slow" p14:dur="1200">
         <p14:prism/>
       </p:transition>
     </mc:Choice>
-    <mc:Fallback>
+    <mc:Fallback xmlns="">
       <p:transition spd="slow">
         <p:fade/>
       </p:transition>
@@ -8955,7 +8955,7 @@
           <a:p>
             <a:fld id="{83C286D2-5717-406C-AD4B-C4A69D5338FB}" type="datetimeFigureOut">
               <a:rPr lang="de-AT" smtClean="0"/>
-              <a:t>04.04.2018</a:t>
+              <a:t>05.04.2018</a:t>
             </a:fld>
             <a:endParaRPr lang="de-AT"/>
           </a:p>
@@ -9013,13 +9013,13 @@
   <p:clrMapOvr>
     <a:masterClrMapping/>
   </p:clrMapOvr>
-  <mc:AlternateContent xmlns:mc="http://schemas.openxmlformats.org/markup-compatibility/2006">
-    <mc:Choice xmlns:p14="http://schemas.microsoft.com/office/powerpoint/2010/main" Requires="p14">
+  <mc:AlternateContent xmlns:mc="http://schemas.openxmlformats.org/markup-compatibility/2006" xmlns:p14="http://schemas.microsoft.com/office/powerpoint/2010/main">
+    <mc:Choice Requires="p14">
       <p:transition spd="slow" p14:dur="1200">
         <p14:prism/>
       </p:transition>
     </mc:Choice>
-    <mc:Fallback>
+    <mc:Fallback xmlns="">
       <p:transition spd="slow">
         <p:fade/>
       </p:transition>
@@ -9240,7 +9240,7 @@
           <a:p>
             <a:fld id="{83C286D2-5717-406C-AD4B-C4A69D5338FB}" type="datetimeFigureOut">
               <a:rPr lang="de-AT" smtClean="0"/>
-              <a:t>04.04.2018</a:t>
+              <a:t>05.04.2018</a:t>
             </a:fld>
             <a:endParaRPr lang="de-AT"/>
           </a:p>
@@ -9303,13 +9303,13 @@
   <p:clrMapOvr>
     <a:masterClrMapping/>
   </p:clrMapOvr>
-  <mc:AlternateContent xmlns:mc="http://schemas.openxmlformats.org/markup-compatibility/2006">
-    <mc:Choice xmlns:p14="http://schemas.microsoft.com/office/powerpoint/2010/main" Requires="p14">
+  <mc:AlternateContent xmlns:mc="http://schemas.openxmlformats.org/markup-compatibility/2006" xmlns:p14="http://schemas.microsoft.com/office/powerpoint/2010/main">
+    <mc:Choice Requires="p14">
       <p:transition spd="slow" p14:dur="1200">
         <p14:prism/>
       </p:transition>
     </mc:Choice>
-    <mc:Fallback>
+    <mc:Fallback xmlns="">
       <p:transition spd="slow">
         <p:fade/>
       </p:transition>
@@ -9427,7 +9427,7 @@
           <a:p>
             <a:fld id="{83C286D2-5717-406C-AD4B-C4A69D5338FB}" type="datetimeFigureOut">
               <a:rPr lang="de-AT" smtClean="0"/>
-              <a:t>04.04.2018</a:t>
+              <a:t>05.04.2018</a:t>
             </a:fld>
             <a:endParaRPr lang="de-AT"/>
           </a:p>
@@ -9485,13 +9485,13 @@
   <p:clrMapOvr>
     <a:masterClrMapping/>
   </p:clrMapOvr>
-  <mc:AlternateContent xmlns:mc="http://schemas.openxmlformats.org/markup-compatibility/2006">
-    <mc:Choice xmlns:p14="http://schemas.microsoft.com/office/powerpoint/2010/main" Requires="p14">
+  <mc:AlternateContent xmlns:mc="http://schemas.openxmlformats.org/markup-compatibility/2006" xmlns:p14="http://schemas.microsoft.com/office/powerpoint/2010/main">
+    <mc:Choice Requires="p14">
       <p:transition spd="slow" p14:dur="1200">
         <p14:prism/>
       </p:transition>
     </mc:Choice>
-    <mc:Fallback>
+    <mc:Fallback xmlns="">
       <p:transition spd="slow">
         <p:fade/>
       </p:transition>
@@ -9619,7 +9619,7 @@
           <a:p>
             <a:fld id="{83C286D2-5717-406C-AD4B-C4A69D5338FB}" type="datetimeFigureOut">
               <a:rPr lang="de-AT" smtClean="0"/>
-              <a:t>04.04.2018</a:t>
+              <a:t>05.04.2018</a:t>
             </a:fld>
             <a:endParaRPr lang="de-AT"/>
           </a:p>
@@ -9677,13 +9677,13 @@
   <p:clrMapOvr>
     <a:masterClrMapping/>
   </p:clrMapOvr>
-  <mc:AlternateContent xmlns:mc="http://schemas.openxmlformats.org/markup-compatibility/2006">
-    <mc:Choice xmlns:p14="http://schemas.microsoft.com/office/powerpoint/2010/main" Requires="p14">
+  <mc:AlternateContent xmlns:mc="http://schemas.openxmlformats.org/markup-compatibility/2006" xmlns:p14="http://schemas.microsoft.com/office/powerpoint/2010/main">
+    <mc:Choice Requires="p14">
       <p:transition spd="slow" p14:dur="1200">
         <p14:prism/>
       </p:transition>
     </mc:Choice>
-    <mc:Fallback>
+    <mc:Fallback xmlns="">
       <p:transition spd="slow">
         <p:fade/>
       </p:transition>
@@ -9863,7 +9863,7 @@
           <a:p>
             <a:fld id="{83C286D2-5717-406C-AD4B-C4A69D5338FB}" type="datetimeFigureOut">
               <a:rPr lang="de-AT" smtClean="0"/>
-              <a:t>04.04.2018</a:t>
+              <a:t>05.04.2018</a:t>
             </a:fld>
             <a:endParaRPr lang="de-AT"/>
           </a:p>
@@ -9921,13 +9921,13 @@
   <p:clrMapOvr>
     <a:masterClrMapping/>
   </p:clrMapOvr>
-  <mc:AlternateContent xmlns:mc="http://schemas.openxmlformats.org/markup-compatibility/2006">
-    <mc:Choice xmlns:p14="http://schemas.microsoft.com/office/powerpoint/2010/main" Requires="p14">
+  <mc:AlternateContent xmlns:mc="http://schemas.openxmlformats.org/markup-compatibility/2006" xmlns:p14="http://schemas.microsoft.com/office/powerpoint/2010/main">
+    <mc:Choice Requires="p14">
       <p:transition spd="slow" p14:dur="1200">
         <p14:prism/>
       </p:transition>
     </mc:Choice>
-    <mc:Fallback>
+    <mc:Fallback xmlns="">
       <p:transition spd="slow">
         <p:fade/>
       </p:transition>
@@ -10222,7 +10222,7 @@
           <a:p>
             <a:fld id="{83C286D2-5717-406C-AD4B-C4A69D5338FB}" type="datetimeFigureOut">
               <a:rPr lang="de-AT" smtClean="0"/>
-              <a:t>04.04.2018</a:t>
+              <a:t>05.04.2018</a:t>
             </a:fld>
             <a:endParaRPr lang="de-AT"/>
           </a:p>
@@ -10303,13 +10303,13 @@
   <p:clrMapOvr>
     <a:masterClrMapping/>
   </p:clrMapOvr>
-  <mc:AlternateContent xmlns:mc="http://schemas.openxmlformats.org/markup-compatibility/2006">
-    <mc:Choice xmlns:p14="http://schemas.microsoft.com/office/powerpoint/2010/main" Requires="p14">
+  <mc:AlternateContent xmlns:mc="http://schemas.openxmlformats.org/markup-compatibility/2006" xmlns:p14="http://schemas.microsoft.com/office/powerpoint/2010/main">
+    <mc:Choice Requires="p14">
       <p:transition spd="slow" p14:dur="1200">
         <p14:prism/>
       </p:transition>
     </mc:Choice>
-    <mc:Fallback>
+    <mc:Fallback xmlns="">
       <p:transition spd="slow">
         <p:fade/>
       </p:transition>
@@ -10352,7 +10352,7 @@
           <a:p>
             <a:fld id="{83C286D2-5717-406C-AD4B-C4A69D5338FB}" type="datetimeFigureOut">
               <a:rPr lang="de-AT" smtClean="0"/>
-              <a:t>04.04.2018</a:t>
+              <a:t>05.04.2018</a:t>
             </a:fld>
             <a:endParaRPr lang="de-AT"/>
           </a:p>
@@ -10433,13 +10433,13 @@
   <p:clrMapOvr>
     <a:masterClrMapping/>
   </p:clrMapOvr>
-  <mc:AlternateContent xmlns:mc="http://schemas.openxmlformats.org/markup-compatibility/2006">
-    <mc:Choice xmlns:p14="http://schemas.microsoft.com/office/powerpoint/2010/main" Requires="p14">
+  <mc:AlternateContent xmlns:mc="http://schemas.openxmlformats.org/markup-compatibility/2006" xmlns:p14="http://schemas.microsoft.com/office/powerpoint/2010/main">
+    <mc:Choice Requires="p14">
       <p:transition spd="slow" p14:dur="1200">
         <p14:prism/>
       </p:transition>
     </mc:Choice>
-    <mc:Fallback>
+    <mc:Fallback xmlns="">
       <p:transition spd="slow">
         <p:fade/>
       </p:transition>
@@ -10482,7 +10482,7 @@
           <a:p>
             <a:fld id="{83C286D2-5717-406C-AD4B-C4A69D5338FB}" type="datetimeFigureOut">
               <a:rPr lang="de-AT" smtClean="0"/>
-              <a:t>04.04.2018</a:t>
+              <a:t>05.04.2018</a:t>
             </a:fld>
             <a:endParaRPr lang="de-AT"/>
           </a:p>
@@ -10540,13 +10540,13 @@
   <p:clrMapOvr>
     <a:masterClrMapping/>
   </p:clrMapOvr>
-  <mc:AlternateContent xmlns:mc="http://schemas.openxmlformats.org/markup-compatibility/2006">
-    <mc:Choice xmlns:p14="http://schemas.microsoft.com/office/powerpoint/2010/main" Requires="p14">
+  <mc:AlternateContent xmlns:mc="http://schemas.openxmlformats.org/markup-compatibility/2006" xmlns:p14="http://schemas.microsoft.com/office/powerpoint/2010/main">
+    <mc:Choice Requires="p14">
       <p:transition spd="slow" p14:dur="1200">
         <p14:prism/>
       </p:transition>
     </mc:Choice>
-    <mc:Fallback>
+    <mc:Fallback xmlns="">
       <p:transition spd="slow">
         <p:fade/>
       </p:transition>
@@ -10778,7 +10778,7 @@
           <a:p>
             <a:fld id="{83C286D2-5717-406C-AD4B-C4A69D5338FB}" type="datetimeFigureOut">
               <a:rPr lang="de-AT" smtClean="0"/>
-              <a:t>04.04.2018</a:t>
+              <a:t>05.04.2018</a:t>
             </a:fld>
             <a:endParaRPr lang="de-AT"/>
           </a:p>
@@ -10836,13 +10836,13 @@
   <p:clrMapOvr>
     <a:masterClrMapping/>
   </p:clrMapOvr>
-  <mc:AlternateContent xmlns:mc="http://schemas.openxmlformats.org/markup-compatibility/2006">
-    <mc:Choice xmlns:p14="http://schemas.microsoft.com/office/powerpoint/2010/main" Requires="p14">
+  <mc:AlternateContent xmlns:mc="http://schemas.openxmlformats.org/markup-compatibility/2006" xmlns:p14="http://schemas.microsoft.com/office/powerpoint/2010/main">
+    <mc:Choice Requires="p14">
       <p:transition spd="slow" p14:dur="1200">
         <p14:prism/>
       </p:transition>
     </mc:Choice>
-    <mc:Fallback>
+    <mc:Fallback xmlns="">
       <p:transition spd="slow">
         <p:fade/>
       </p:transition>
@@ -11054,7 +11054,7 @@
           <a:p>
             <a:fld id="{83C286D2-5717-406C-AD4B-C4A69D5338FB}" type="datetimeFigureOut">
               <a:rPr lang="de-AT" smtClean="0"/>
-              <a:t>04.04.2018</a:t>
+              <a:t>05.04.2018</a:t>
             </a:fld>
             <a:endParaRPr lang="de-AT"/>
           </a:p>
@@ -11112,13 +11112,13 @@
   <p:clrMapOvr>
     <a:masterClrMapping/>
   </p:clrMapOvr>
-  <mc:AlternateContent xmlns:mc="http://schemas.openxmlformats.org/markup-compatibility/2006">
-    <mc:Choice xmlns:p14="http://schemas.microsoft.com/office/powerpoint/2010/main" Requires="p14">
+  <mc:AlternateContent xmlns:mc="http://schemas.openxmlformats.org/markup-compatibility/2006" xmlns:p14="http://schemas.microsoft.com/office/powerpoint/2010/main">
+    <mc:Choice Requires="p14">
       <p:transition spd="slow" p14:dur="1200">
         <p14:prism/>
       </p:transition>
     </mc:Choice>
-    <mc:Fallback>
+    <mc:Fallback xmlns="">
       <p:transition spd="slow">
         <p:fade/>
       </p:transition>
@@ -11280,7 +11280,7 @@
           <a:p>
             <a:fld id="{83C286D2-5717-406C-AD4B-C4A69D5338FB}" type="datetimeFigureOut">
               <a:rPr lang="de-AT" smtClean="0"/>
-              <a:t>04.04.2018</a:t>
+              <a:t>05.04.2018</a:t>
             </a:fld>
             <a:endParaRPr lang="de-AT"/>
           </a:p>
@@ -11386,13 +11386,13 @@
     <p:sldLayoutId id="2147483706" r:id="rId10"/>
     <p:sldLayoutId id="2147483707" r:id="rId11"/>
   </p:sldLayoutIdLst>
-  <mc:AlternateContent xmlns:mc="http://schemas.openxmlformats.org/markup-compatibility/2006">
-    <mc:Choice xmlns:p14="http://schemas.microsoft.com/office/powerpoint/2010/main" Requires="p14">
+  <mc:AlternateContent xmlns:mc="http://schemas.openxmlformats.org/markup-compatibility/2006" xmlns:p14="http://schemas.microsoft.com/office/powerpoint/2010/main">
+    <mc:Choice Requires="p14">
       <p:transition spd="slow" p14:dur="1200">
         <p14:prism/>
       </p:transition>
     </mc:Choice>
-    <mc:Fallback>
+    <mc:Fallback xmlns="">
       <p:transition spd="slow">
         <p:fade/>
       </p:transition>
@@ -11827,7 +11827,7 @@
           <a:p>
             <a:fld id="{83C286D2-5717-406C-AD4B-C4A69D5338FB}" type="datetimeFigureOut">
               <a:rPr lang="de-AT" smtClean="0"/>
-              <a:t>04.04.2018</a:t>
+              <a:t>05.04.2018</a:t>
             </a:fld>
             <a:endParaRPr lang="de-AT"/>
           </a:p>
@@ -11933,13 +11933,13 @@
     <p:sldLayoutId id="2147483718" r:id="rId10"/>
     <p:sldLayoutId id="2147483719" r:id="rId11"/>
   </p:sldLayoutIdLst>
-  <mc:AlternateContent xmlns:mc="http://schemas.openxmlformats.org/markup-compatibility/2006">
-    <mc:Choice xmlns:p14="http://schemas.microsoft.com/office/powerpoint/2010/main" Requires="p14">
+  <mc:AlternateContent xmlns:mc="http://schemas.openxmlformats.org/markup-compatibility/2006" xmlns:p14="http://schemas.microsoft.com/office/powerpoint/2010/main">
+    <mc:Choice Requires="p14">
       <p:transition spd="slow" p14:dur="1200">
         <p14:prism/>
       </p:transition>
     </mc:Choice>
-    <mc:Fallback>
+    <mc:Fallback xmlns="">
       <p:transition spd="slow">
         <p:fade/>
       </p:transition>
@@ -12452,7 +12452,7 @@
           <a:p>
             <a:fld id="{83C286D2-5717-406C-AD4B-C4A69D5338FB}" type="datetimeFigureOut">
               <a:rPr lang="de-AT" smtClean="0"/>
-              <a:t>04.04.2018</a:t>
+              <a:t>05.04.2018</a:t>
             </a:fld>
             <a:endParaRPr lang="de-AT"/>
           </a:p>
@@ -12556,13 +12556,13 @@
     <p:sldLayoutId id="2147483730" r:id="rId10"/>
     <p:sldLayoutId id="2147483731" r:id="rId11"/>
   </p:sldLayoutIdLst>
-  <mc:AlternateContent xmlns:mc="http://schemas.openxmlformats.org/markup-compatibility/2006">
-    <mc:Choice xmlns:p14="http://schemas.microsoft.com/office/powerpoint/2010/main" Requires="p14">
+  <mc:AlternateContent xmlns:mc="http://schemas.openxmlformats.org/markup-compatibility/2006" xmlns:p14="http://schemas.microsoft.com/office/powerpoint/2010/main">
+    <mc:Choice Requires="p14">
       <p:transition spd="slow" p14:dur="1200">
         <p14:prism/>
       </p:transition>
     </mc:Choice>
-    <mc:Fallback>
+    <mc:Fallback xmlns="">
       <p:transition spd="slow">
         <p:fade/>
       </p:transition>
@@ -13069,13 +13069,13 @@
   <p:clrMapOvr>
     <a:masterClrMapping/>
   </p:clrMapOvr>
-  <mc:AlternateContent xmlns:mc="http://schemas.openxmlformats.org/markup-compatibility/2006">
-    <mc:Choice xmlns:p14="http://schemas.microsoft.com/office/powerpoint/2010/main" Requires="p14">
+  <mc:AlternateContent xmlns:mc="http://schemas.openxmlformats.org/markup-compatibility/2006" xmlns:p14="http://schemas.microsoft.com/office/powerpoint/2010/main">
+    <mc:Choice Requires="p14">
       <p:transition spd="slow" p14:dur="1200">
         <p14:prism/>
       </p:transition>
     </mc:Choice>
-    <mc:Fallback>
+    <mc:Fallback xmlns="">
       <p:transition spd="slow">
         <p:fade/>
       </p:transition>
@@ -13179,13 +13179,13 @@
   <p:clrMapOvr>
     <a:masterClrMapping/>
   </p:clrMapOvr>
-  <mc:AlternateContent xmlns:mc="http://schemas.openxmlformats.org/markup-compatibility/2006">
-    <mc:Choice xmlns:p14="http://schemas.microsoft.com/office/powerpoint/2010/main" Requires="p14">
+  <mc:AlternateContent xmlns:mc="http://schemas.openxmlformats.org/markup-compatibility/2006" xmlns:p14="http://schemas.microsoft.com/office/powerpoint/2010/main">
+    <mc:Choice Requires="p14">
       <p:transition spd="slow" p14:dur="1200">
         <p14:prism/>
       </p:transition>
     </mc:Choice>
-    <mc:Fallback>
+    <mc:Fallback xmlns="">
       <p:transition spd="slow">
         <p:fade/>
       </p:transition>
@@ -13328,13 +13328,13 @@
   <p:clrMapOvr>
     <a:masterClrMapping/>
   </p:clrMapOvr>
-  <mc:AlternateContent xmlns:mc="http://schemas.openxmlformats.org/markup-compatibility/2006">
-    <mc:Choice xmlns:p14="http://schemas.microsoft.com/office/powerpoint/2010/main" Requires="p14">
+  <mc:AlternateContent xmlns:mc="http://schemas.openxmlformats.org/markup-compatibility/2006" xmlns:p14="http://schemas.microsoft.com/office/powerpoint/2010/main">
+    <mc:Choice Requires="p14">
       <p:transition spd="slow" p14:dur="1200">
         <p14:prism/>
       </p:transition>
     </mc:Choice>
-    <mc:Fallback>
+    <mc:Fallback xmlns="">
       <p:transition spd="slow">
         <p:fade/>
       </p:transition>
@@ -13438,13 +13438,13 @@
   <p:clrMapOvr>
     <a:masterClrMapping/>
   </p:clrMapOvr>
-  <mc:AlternateContent xmlns:mc="http://schemas.openxmlformats.org/markup-compatibility/2006">
-    <mc:Choice xmlns:p14="http://schemas.microsoft.com/office/powerpoint/2010/main" Requires="p14">
+  <mc:AlternateContent xmlns:mc="http://schemas.openxmlformats.org/markup-compatibility/2006" xmlns:p14="http://schemas.microsoft.com/office/powerpoint/2010/main">
+    <mc:Choice Requires="p14">
       <p:transition spd="slow" p14:dur="1200">
         <p14:prism/>
       </p:transition>
     </mc:Choice>
-    <mc:Fallback>
+    <mc:Fallback xmlns="">
       <p:transition spd="slow">
         <p:fade/>
       </p:transition>
@@ -13563,13 +13563,13 @@
   <p:clrMapOvr>
     <a:masterClrMapping/>
   </p:clrMapOvr>
-  <mc:AlternateContent xmlns:mc="http://schemas.openxmlformats.org/markup-compatibility/2006">
-    <mc:Choice xmlns:p14="http://schemas.microsoft.com/office/powerpoint/2010/main" Requires="p14">
+  <mc:AlternateContent xmlns:mc="http://schemas.openxmlformats.org/markup-compatibility/2006" xmlns:p14="http://schemas.microsoft.com/office/powerpoint/2010/main">
+    <mc:Choice Requires="p14">
       <p:transition spd="slow" p14:dur="1200">
         <p14:prism/>
       </p:transition>
     </mc:Choice>
-    <mc:Fallback>
+    <mc:Fallback xmlns="">
       <p:transition spd="slow">
         <p:fade/>
       </p:transition>
@@ -13732,13 +13732,13 @@
   <p:clrMapOvr>
     <a:masterClrMapping/>
   </p:clrMapOvr>
-  <mc:AlternateContent xmlns:mc="http://schemas.openxmlformats.org/markup-compatibility/2006">
-    <mc:Choice xmlns:p14="http://schemas.microsoft.com/office/powerpoint/2010/main" Requires="p14">
+  <mc:AlternateContent xmlns:mc="http://schemas.openxmlformats.org/markup-compatibility/2006" xmlns:p14="http://schemas.microsoft.com/office/powerpoint/2010/main">
+    <mc:Choice Requires="p14">
       <p:transition spd="slow" p14:dur="1200">
         <p14:prism/>
       </p:transition>
     </mc:Choice>
-    <mc:Fallback>
+    <mc:Fallback xmlns="">
       <p:transition spd="slow">
         <p:fade/>
       </p:transition>
@@ -13825,7 +13825,7 @@
             </a:pPr>
             <a:r>
               <a:rPr lang="de-AT" sz="4000" b="1" dirty="0"/>
-              <a:t>10000 </a:t>
+              <a:t>10.000 </a:t>
             </a:r>
             <a:r>
               <a:rPr lang="de-AT" sz="2800" dirty="0"/>
@@ -13857,7 +13857,7 @@
             </a:pPr>
             <a:r>
               <a:rPr lang="de-AT" sz="4000" b="1" dirty="0"/>
-              <a:t>     1000 </a:t>
+              <a:t>     1.000 </a:t>
             </a:r>
             <a:r>
               <a:rPr lang="de-AT" sz="2800" dirty="0"/>
@@ -13938,13 +13938,13 @@
   <p:clrMapOvr>
     <a:masterClrMapping/>
   </p:clrMapOvr>
-  <mc:AlternateContent xmlns:mc="http://schemas.openxmlformats.org/markup-compatibility/2006">
-    <mc:Choice xmlns:p14="http://schemas.microsoft.com/office/powerpoint/2010/main" Requires="p14">
+  <mc:AlternateContent xmlns:mc="http://schemas.openxmlformats.org/markup-compatibility/2006" xmlns:p14="http://schemas.microsoft.com/office/powerpoint/2010/main">
+    <mc:Choice Requires="p14">
       <p:transition spd="slow" p14:dur="1200">
         <p14:prism/>
       </p:transition>
     </mc:Choice>
-    <mc:Fallback>
+    <mc:Fallback xmlns="">
       <p:transition spd="slow">
         <p:fade/>
       </p:transition>
@@ -14036,7 +14036,7 @@
             </a:r>
             <a:r>
               <a:rPr lang="de-AT" sz="4000" b="1" dirty="0"/>
-              <a:t>3000</a:t>
+              <a:t>3.000</a:t>
             </a:r>
             <a:r>
               <a:rPr lang="de-AT" sz="2800" dirty="0"/>
@@ -14059,7 +14059,7 @@
             </a:r>
             <a:r>
               <a:rPr lang="de-AT" sz="4000" b="1" dirty="0"/>
-              <a:t>1000</a:t>
+              <a:t>1.000</a:t>
             </a:r>
             <a:r>
               <a:rPr lang="de-AT" sz="2800" dirty="0"/>
@@ -14067,7 +14067,7 @@
             </a:r>
             <a:r>
               <a:rPr lang="de-AT" sz="4000" b="1" dirty="0"/>
-              <a:t>2500</a:t>
+              <a:t>2.500</a:t>
             </a:r>
             <a:r>
               <a:rPr lang="de-AT" sz="2800" dirty="0"/>
@@ -14138,13 +14138,13 @@
   <p:clrMapOvr>
     <a:masterClrMapping/>
   </p:clrMapOvr>
-  <mc:AlternateContent xmlns:mc="http://schemas.openxmlformats.org/markup-compatibility/2006">
-    <mc:Choice xmlns:p14="http://schemas.microsoft.com/office/powerpoint/2010/main" Requires="p14">
+  <mc:AlternateContent xmlns:mc="http://schemas.openxmlformats.org/markup-compatibility/2006" xmlns:p14="http://schemas.microsoft.com/office/powerpoint/2010/main">
+    <mc:Choice Requires="p14">
       <p:transition spd="slow" p14:dur="1200">
         <p14:prism/>
       </p:transition>
     </mc:Choice>
-    <mc:Fallback>
+    <mc:Fallback xmlns="">
       <p:transition spd="slow">
         <p:fade/>
       </p:transition>
@@ -14273,13 +14273,13 @@
   <p:clrMapOvr>
     <a:masterClrMapping/>
   </p:clrMapOvr>
-  <mc:AlternateContent xmlns:mc="http://schemas.openxmlformats.org/markup-compatibility/2006">
-    <mc:Choice xmlns:p14="http://schemas.microsoft.com/office/powerpoint/2010/main" Requires="p14">
+  <mc:AlternateContent xmlns:mc="http://schemas.openxmlformats.org/markup-compatibility/2006" xmlns:p14="http://schemas.microsoft.com/office/powerpoint/2010/main">
+    <mc:Choice Requires="p14">
       <p:transition spd="slow" p14:dur="1200">
         <p14:prism/>
       </p:transition>
     </mc:Choice>
-    <mc:Fallback>
+    <mc:Fallback xmlns="">
       <p:transition spd="slow">
         <p:fade/>
       </p:transition>
@@ -14591,13 +14591,13 @@
   <p:clrMapOvr>
     <a:masterClrMapping/>
   </p:clrMapOvr>
-  <mc:AlternateContent xmlns:mc="http://schemas.openxmlformats.org/markup-compatibility/2006">
-    <mc:Choice xmlns:p14="http://schemas.microsoft.com/office/powerpoint/2010/main" Requires="p14">
+  <mc:AlternateContent xmlns:mc="http://schemas.openxmlformats.org/markup-compatibility/2006" xmlns:p14="http://schemas.microsoft.com/office/powerpoint/2010/main">
+    <mc:Choice Requires="p14">
       <p:transition spd="slow" p14:dur="1200">
         <p14:prism/>
       </p:transition>
     </mc:Choice>
-    <mc:Fallback>
+    <mc:Fallback xmlns="">
       <p:transition spd="slow">
         <p:fade/>
       </p:transition>
@@ -14895,13 +14895,13 @@
   <p:clrMapOvr>
     <a:masterClrMapping/>
   </p:clrMapOvr>
-  <mc:AlternateContent xmlns:mc="http://schemas.openxmlformats.org/markup-compatibility/2006">
-    <mc:Choice xmlns:p14="http://schemas.microsoft.com/office/powerpoint/2010/main" Requires="p14">
+  <mc:AlternateContent xmlns:mc="http://schemas.openxmlformats.org/markup-compatibility/2006" xmlns:p14="http://schemas.microsoft.com/office/powerpoint/2010/main">
+    <mc:Choice Requires="p14">
       <p:transition spd="slow" p14:dur="1200">
         <p14:prism/>
       </p:transition>
     </mc:Choice>
-    <mc:Fallback>
+    <mc:Fallback xmlns="">
       <p:transition spd="slow">
         <p:fade/>
       </p:transition>
@@ -15053,15 +15053,23 @@
             </a:r>
             <a:r>
               <a:rPr lang="de-AT" sz="2800" dirty="0"/>
-              <a:t> und </a:t>
-            </a:r>
-            <a:r>
-              <a:rPr lang="de-AT" sz="3200" b="1" dirty="0"/>
-              <a:t>ausgewertet</a:t>
+              <a:t> </a:t>
+            </a:r>
+            <a:r>
+              <a:rPr lang="de-AT" sz="2800"/>
+              <a:t>und </a:t>
+            </a:r>
+            <a:r>
+              <a:rPr lang="de-AT" sz="3200" b="1"/>
+              <a:t>ausgewertet.</a:t>
+            </a:r>
+            <a:r>
+              <a:rPr lang="de-AT" sz="2800"/>
+              <a:t> </a:t>
             </a:r>
             <a:r>
               <a:rPr lang="de-AT" sz="2800" dirty="0"/>
-              <a:t>, Begutachtung mittels </a:t>
+              <a:t>Begutachtung mittels </a:t>
             </a:r>
             <a:r>
               <a:rPr lang="de-AT" sz="3200" b="1" dirty="0"/>
@@ -15101,13 +15109,13 @@
   <p:clrMapOvr>
     <a:masterClrMapping/>
   </p:clrMapOvr>
-  <mc:AlternateContent xmlns:mc="http://schemas.openxmlformats.org/markup-compatibility/2006">
-    <mc:Choice xmlns:p14="http://schemas.microsoft.com/office/powerpoint/2010/main" Requires="p14">
+  <mc:AlternateContent xmlns:mc="http://schemas.openxmlformats.org/markup-compatibility/2006" xmlns:p14="http://schemas.microsoft.com/office/powerpoint/2010/main">
+    <mc:Choice Requires="p14">
       <p:transition spd="slow" p14:dur="1200">
         <p14:prism/>
       </p:transition>
     </mc:Choice>
-    <mc:Fallback>
+    <mc:Fallback xmlns="">
       <p:transition spd="slow">
         <p:fade/>
       </p:transition>
@@ -15207,13 +15215,13 @@
   <p:clrMapOvr>
     <a:masterClrMapping/>
   </p:clrMapOvr>
-  <mc:AlternateContent xmlns:mc="http://schemas.openxmlformats.org/markup-compatibility/2006">
-    <mc:Choice xmlns:p14="http://schemas.microsoft.com/office/powerpoint/2010/main" Requires="p14">
+  <mc:AlternateContent xmlns:mc="http://schemas.openxmlformats.org/markup-compatibility/2006" xmlns:p14="http://schemas.microsoft.com/office/powerpoint/2010/main">
+    <mc:Choice Requires="p14">
       <p:transition spd="slow" p14:dur="1200">
         <p14:prism/>
       </p:transition>
     </mc:Choice>
-    <mc:Fallback>
+    <mc:Fallback xmlns="">
       <p:transition spd="slow">
         <p:fade/>
       </p:transition>
@@ -15704,13 +15712,13 @@
   <p:clrMapOvr>
     <a:masterClrMapping/>
   </p:clrMapOvr>
-  <mc:AlternateContent xmlns:mc="http://schemas.openxmlformats.org/markup-compatibility/2006">
-    <mc:Choice xmlns:p14="http://schemas.microsoft.com/office/powerpoint/2010/main" Requires="p14">
+  <mc:AlternateContent xmlns:mc="http://schemas.openxmlformats.org/markup-compatibility/2006" xmlns:p14="http://schemas.microsoft.com/office/powerpoint/2010/main">
+    <mc:Choice Requires="p14">
       <p:transition spd="slow" p14:dur="1200">
         <p14:prism/>
       </p:transition>
     </mc:Choice>
-    <mc:Fallback>
+    <mc:Fallback xmlns="">
       <p:transition spd="slow">
         <p:fade/>
       </p:transition>
@@ -16269,13 +16277,13 @@
   <p:clrMapOvr>
     <a:masterClrMapping/>
   </p:clrMapOvr>
-  <mc:AlternateContent xmlns:mc="http://schemas.openxmlformats.org/markup-compatibility/2006">
-    <mc:Choice xmlns:p14="http://schemas.microsoft.com/office/powerpoint/2010/main" Requires="p14">
+  <mc:AlternateContent xmlns:mc="http://schemas.openxmlformats.org/markup-compatibility/2006" xmlns:p14="http://schemas.microsoft.com/office/powerpoint/2010/main">
+    <mc:Choice Requires="p14">
       <p:transition spd="slow" p14:dur="1200">
         <p14:prism/>
       </p:transition>
     </mc:Choice>
-    <mc:Fallback>
+    <mc:Fallback xmlns="">
       <p:transition spd="slow">
         <p:fade/>
       </p:transition>
@@ -16379,13 +16387,13 @@
   <p:clrMapOvr>
     <a:masterClrMapping/>
   </p:clrMapOvr>
-  <mc:AlternateContent xmlns:mc="http://schemas.openxmlformats.org/markup-compatibility/2006">
-    <mc:Choice xmlns:p14="http://schemas.microsoft.com/office/powerpoint/2010/main" Requires="p14">
+  <mc:AlternateContent xmlns:mc="http://schemas.openxmlformats.org/markup-compatibility/2006" xmlns:p14="http://schemas.microsoft.com/office/powerpoint/2010/main">
+    <mc:Choice Requires="p14">
       <p:transition spd="slow" p14:dur="1200">
         <p14:prism/>
       </p:transition>
     </mc:Choice>
-    <mc:Fallback>
+    <mc:Fallback xmlns="">
       <p:transition spd="slow">
         <p:fade/>
       </p:transition>
@@ -16535,13 +16543,13 @@
   <p:clrMapOvr>
     <a:masterClrMapping/>
   </p:clrMapOvr>
-  <mc:AlternateContent xmlns:mc="http://schemas.openxmlformats.org/markup-compatibility/2006">
-    <mc:Choice xmlns:p14="http://schemas.microsoft.com/office/powerpoint/2010/main" Requires="p14">
+  <mc:AlternateContent xmlns:mc="http://schemas.openxmlformats.org/markup-compatibility/2006" xmlns:p14="http://schemas.microsoft.com/office/powerpoint/2010/main">
+    <mc:Choice Requires="p14">
       <p:transition spd="slow" p14:dur="1200">
         <p14:prism/>
       </p:transition>
     </mc:Choice>
-    <mc:Fallback>
+    <mc:Fallback xmlns="">
       <p:transition spd="slow">
         <p:fade/>
       </p:transition>

--- a/Planung/Praesentationen/Praesentation_Leonding.pptx
+++ b/Planung/Praesentationen/Praesentation_Leonding.pptx
@@ -2827,7 +2827,7 @@
           <a:p>
             <a:fld id="{6C12F6B1-6786-4E64-B681-F379C9A54FC0}" type="datetimeFigureOut">
               <a:rPr lang="de-AT" smtClean="0"/>
-              <a:t>05.04.2018</a:t>
+              <a:t>22.04.2018</a:t>
             </a:fld>
             <a:endParaRPr lang="de-AT"/>
           </a:p>
@@ -3627,7 +3627,7 @@
           <a:p>
             <a:fld id="{83C286D2-5717-406C-AD4B-C4A69D5338FB}" type="datetimeFigureOut">
               <a:rPr lang="de-AT" smtClean="0"/>
-              <a:t>05.04.2018</a:t>
+              <a:t>22.04.2018</a:t>
             </a:fld>
             <a:endParaRPr lang="de-AT"/>
           </a:p>
@@ -3809,7 +3809,7 @@
           <a:p>
             <a:fld id="{83C286D2-5717-406C-AD4B-C4A69D5338FB}" type="datetimeFigureOut">
               <a:rPr lang="de-AT" smtClean="0"/>
-              <a:t>05.04.2018</a:t>
+              <a:t>22.04.2018</a:t>
             </a:fld>
             <a:endParaRPr lang="de-AT"/>
           </a:p>
@@ -4001,7 +4001,7 @@
           <a:p>
             <a:fld id="{83C286D2-5717-406C-AD4B-C4A69D5338FB}" type="datetimeFigureOut">
               <a:rPr lang="de-AT" smtClean="0"/>
-              <a:t>05.04.2018</a:t>
+              <a:t>22.04.2018</a:t>
             </a:fld>
             <a:endParaRPr lang="de-AT"/>
           </a:p>
@@ -4216,7 +4216,7 @@
           <a:p>
             <a:fld id="{83C286D2-5717-406C-AD4B-C4A69D5338FB}" type="datetimeFigureOut">
               <a:rPr lang="de-AT" smtClean="0"/>
-              <a:t>05.04.2018</a:t>
+              <a:t>22.04.2018</a:t>
             </a:fld>
             <a:endParaRPr lang="de-AT"/>
           </a:p>
@@ -4398,7 +4398,7 @@
           <a:p>
             <a:fld id="{83C286D2-5717-406C-AD4B-C4A69D5338FB}" type="datetimeFigureOut">
               <a:rPr lang="de-AT" smtClean="0"/>
-              <a:t>05.04.2018</a:t>
+              <a:t>22.04.2018</a:t>
             </a:fld>
             <a:endParaRPr lang="de-AT"/>
           </a:p>
@@ -4661,7 +4661,7 @@
           <a:p>
             <a:fld id="{83C286D2-5717-406C-AD4B-C4A69D5338FB}" type="datetimeFigureOut">
               <a:rPr lang="de-AT" smtClean="0"/>
-              <a:t>05.04.2018</a:t>
+              <a:t>22.04.2018</a:t>
             </a:fld>
             <a:endParaRPr lang="de-AT"/>
           </a:p>
@@ -4905,7 +4905,7 @@
           <a:p>
             <a:fld id="{83C286D2-5717-406C-AD4B-C4A69D5338FB}" type="datetimeFigureOut">
               <a:rPr lang="de-AT" smtClean="0"/>
-              <a:t>05.04.2018</a:t>
+              <a:t>22.04.2018</a:t>
             </a:fld>
             <a:endParaRPr lang="de-AT"/>
           </a:p>
@@ -5264,7 +5264,7 @@
           <a:p>
             <a:fld id="{83C286D2-5717-406C-AD4B-C4A69D5338FB}" type="datetimeFigureOut">
               <a:rPr lang="de-AT" smtClean="0"/>
-              <a:t>05.04.2018</a:t>
+              <a:t>22.04.2018</a:t>
             </a:fld>
             <a:endParaRPr lang="de-AT"/>
           </a:p>
@@ -5394,7 +5394,7 @@
           <a:p>
             <a:fld id="{83C286D2-5717-406C-AD4B-C4A69D5338FB}" type="datetimeFigureOut">
               <a:rPr lang="de-AT" smtClean="0"/>
-              <a:t>05.04.2018</a:t>
+              <a:t>22.04.2018</a:t>
             </a:fld>
             <a:endParaRPr lang="de-AT"/>
           </a:p>
@@ -5524,7 +5524,7 @@
           <a:p>
             <a:fld id="{83C286D2-5717-406C-AD4B-C4A69D5338FB}" type="datetimeFigureOut">
               <a:rPr lang="de-AT" smtClean="0"/>
-              <a:t>05.04.2018</a:t>
+              <a:t>22.04.2018</a:t>
             </a:fld>
             <a:endParaRPr lang="de-AT"/>
           </a:p>
@@ -5820,7 +5820,7 @@
           <a:p>
             <a:fld id="{83C286D2-5717-406C-AD4B-C4A69D5338FB}" type="datetimeFigureOut">
               <a:rPr lang="de-AT" smtClean="0"/>
-              <a:t>05.04.2018</a:t>
+              <a:t>22.04.2018</a:t>
             </a:fld>
             <a:endParaRPr lang="de-AT"/>
           </a:p>
@@ -6002,7 +6002,7 @@
           <a:p>
             <a:fld id="{83C286D2-5717-406C-AD4B-C4A69D5338FB}" type="datetimeFigureOut">
               <a:rPr lang="de-AT" smtClean="0"/>
-              <a:t>05.04.2018</a:t>
+              <a:t>22.04.2018</a:t>
             </a:fld>
             <a:endParaRPr lang="de-AT"/>
           </a:p>
@@ -6278,7 +6278,7 @@
           <a:p>
             <a:fld id="{83C286D2-5717-406C-AD4B-C4A69D5338FB}" type="datetimeFigureOut">
               <a:rPr lang="de-AT" smtClean="0"/>
-              <a:t>05.04.2018</a:t>
+              <a:t>22.04.2018</a:t>
             </a:fld>
             <a:endParaRPr lang="de-AT"/>
           </a:p>
@@ -6460,7 +6460,7 @@
           <a:p>
             <a:fld id="{83C286D2-5717-406C-AD4B-C4A69D5338FB}" type="datetimeFigureOut">
               <a:rPr lang="de-AT" smtClean="0"/>
-              <a:t>05.04.2018</a:t>
+              <a:t>22.04.2018</a:t>
             </a:fld>
             <a:endParaRPr lang="de-AT"/>
           </a:p>
@@ -6652,7 +6652,7 @@
           <a:p>
             <a:fld id="{83C286D2-5717-406C-AD4B-C4A69D5338FB}" type="datetimeFigureOut">
               <a:rPr lang="de-AT" smtClean="0"/>
-              <a:t>05.04.2018</a:t>
+              <a:t>22.04.2018</a:t>
             </a:fld>
             <a:endParaRPr lang="de-AT"/>
           </a:p>
@@ -6949,7 +6949,7 @@
           <a:p>
             <a:fld id="{83C286D2-5717-406C-AD4B-C4A69D5338FB}" type="datetimeFigureOut">
               <a:rPr lang="de-AT" smtClean="0"/>
-              <a:t>05.04.2018</a:t>
+              <a:t>22.04.2018</a:t>
             </a:fld>
             <a:endParaRPr lang="de-AT"/>
           </a:p>
@@ -7131,7 +7131,7 @@
           <a:p>
             <a:fld id="{83C286D2-5717-406C-AD4B-C4A69D5338FB}" type="datetimeFigureOut">
               <a:rPr lang="de-AT" smtClean="0"/>
-              <a:t>05.04.2018</a:t>
+              <a:t>22.04.2018</a:t>
             </a:fld>
             <a:endParaRPr lang="de-AT"/>
           </a:p>
@@ -7401,7 +7401,7 @@
           <a:p>
             <a:fld id="{83C286D2-5717-406C-AD4B-C4A69D5338FB}" type="datetimeFigureOut">
               <a:rPr lang="de-AT" smtClean="0"/>
-              <a:t>05.04.2018</a:t>
+              <a:t>22.04.2018</a:t>
             </a:fld>
             <a:endParaRPr lang="de-AT"/>
           </a:p>
@@ -7701,7 +7701,7 @@
           <a:p>
             <a:fld id="{83C286D2-5717-406C-AD4B-C4A69D5338FB}" type="datetimeFigureOut">
               <a:rPr lang="de-AT" smtClean="0"/>
-              <a:t>05.04.2018</a:t>
+              <a:t>22.04.2018</a:t>
             </a:fld>
             <a:endParaRPr lang="de-AT"/>
           </a:p>
@@ -8155,7 +8155,7 @@
           <a:p>
             <a:fld id="{83C286D2-5717-406C-AD4B-C4A69D5338FB}" type="datetimeFigureOut">
               <a:rPr lang="de-AT" smtClean="0"/>
-              <a:t>05.04.2018</a:t>
+              <a:t>22.04.2018</a:t>
             </a:fld>
             <a:endParaRPr lang="de-AT"/>
           </a:p>
@@ -8285,7 +8285,7 @@
           <a:p>
             <a:fld id="{83C286D2-5717-406C-AD4B-C4A69D5338FB}" type="datetimeFigureOut">
               <a:rPr lang="de-AT" smtClean="0"/>
-              <a:t>05.04.2018</a:t>
+              <a:t>22.04.2018</a:t>
             </a:fld>
             <a:endParaRPr lang="de-AT"/>
           </a:p>
@@ -8392,7 +8392,7 @@
           <a:p>
             <a:fld id="{83C286D2-5717-406C-AD4B-C4A69D5338FB}" type="datetimeFigureOut">
               <a:rPr lang="de-AT" smtClean="0"/>
-              <a:t>05.04.2018</a:t>
+              <a:t>22.04.2018</a:t>
             </a:fld>
             <a:endParaRPr lang="de-AT"/>
           </a:p>
@@ -8655,7 +8655,7 @@
           <a:p>
             <a:fld id="{83C286D2-5717-406C-AD4B-C4A69D5338FB}" type="datetimeFigureOut">
               <a:rPr lang="de-AT" smtClean="0"/>
-              <a:t>05.04.2018</a:t>
+              <a:t>22.04.2018</a:t>
             </a:fld>
             <a:endParaRPr lang="de-AT"/>
           </a:p>
@@ -8955,7 +8955,7 @@
           <a:p>
             <a:fld id="{83C286D2-5717-406C-AD4B-C4A69D5338FB}" type="datetimeFigureOut">
               <a:rPr lang="de-AT" smtClean="0"/>
-              <a:t>05.04.2018</a:t>
+              <a:t>22.04.2018</a:t>
             </a:fld>
             <a:endParaRPr lang="de-AT"/>
           </a:p>
@@ -9240,7 +9240,7 @@
           <a:p>
             <a:fld id="{83C286D2-5717-406C-AD4B-C4A69D5338FB}" type="datetimeFigureOut">
               <a:rPr lang="de-AT" smtClean="0"/>
-              <a:t>05.04.2018</a:t>
+              <a:t>22.04.2018</a:t>
             </a:fld>
             <a:endParaRPr lang="de-AT"/>
           </a:p>
@@ -9427,7 +9427,7 @@
           <a:p>
             <a:fld id="{83C286D2-5717-406C-AD4B-C4A69D5338FB}" type="datetimeFigureOut">
               <a:rPr lang="de-AT" smtClean="0"/>
-              <a:t>05.04.2018</a:t>
+              <a:t>22.04.2018</a:t>
             </a:fld>
             <a:endParaRPr lang="de-AT"/>
           </a:p>
@@ -9619,7 +9619,7 @@
           <a:p>
             <a:fld id="{83C286D2-5717-406C-AD4B-C4A69D5338FB}" type="datetimeFigureOut">
               <a:rPr lang="de-AT" smtClean="0"/>
-              <a:t>05.04.2018</a:t>
+              <a:t>22.04.2018</a:t>
             </a:fld>
             <a:endParaRPr lang="de-AT"/>
           </a:p>
@@ -9863,7 +9863,7 @@
           <a:p>
             <a:fld id="{83C286D2-5717-406C-AD4B-C4A69D5338FB}" type="datetimeFigureOut">
               <a:rPr lang="de-AT" smtClean="0"/>
-              <a:t>05.04.2018</a:t>
+              <a:t>22.04.2018</a:t>
             </a:fld>
             <a:endParaRPr lang="de-AT"/>
           </a:p>
@@ -10222,7 +10222,7 @@
           <a:p>
             <a:fld id="{83C286D2-5717-406C-AD4B-C4A69D5338FB}" type="datetimeFigureOut">
               <a:rPr lang="de-AT" smtClean="0"/>
-              <a:t>05.04.2018</a:t>
+              <a:t>22.04.2018</a:t>
             </a:fld>
             <a:endParaRPr lang="de-AT"/>
           </a:p>
@@ -10352,7 +10352,7 @@
           <a:p>
             <a:fld id="{83C286D2-5717-406C-AD4B-C4A69D5338FB}" type="datetimeFigureOut">
               <a:rPr lang="de-AT" smtClean="0"/>
-              <a:t>05.04.2018</a:t>
+              <a:t>22.04.2018</a:t>
             </a:fld>
             <a:endParaRPr lang="de-AT"/>
           </a:p>
@@ -10482,7 +10482,7 @@
           <a:p>
             <a:fld id="{83C286D2-5717-406C-AD4B-C4A69D5338FB}" type="datetimeFigureOut">
               <a:rPr lang="de-AT" smtClean="0"/>
-              <a:t>05.04.2018</a:t>
+              <a:t>22.04.2018</a:t>
             </a:fld>
             <a:endParaRPr lang="de-AT"/>
           </a:p>
@@ -10778,7 +10778,7 @@
           <a:p>
             <a:fld id="{83C286D2-5717-406C-AD4B-C4A69D5338FB}" type="datetimeFigureOut">
               <a:rPr lang="de-AT" smtClean="0"/>
-              <a:t>05.04.2018</a:t>
+              <a:t>22.04.2018</a:t>
             </a:fld>
             <a:endParaRPr lang="de-AT"/>
           </a:p>
@@ -11054,7 +11054,7 @@
           <a:p>
             <a:fld id="{83C286D2-5717-406C-AD4B-C4A69D5338FB}" type="datetimeFigureOut">
               <a:rPr lang="de-AT" smtClean="0"/>
-              <a:t>05.04.2018</a:t>
+              <a:t>22.04.2018</a:t>
             </a:fld>
             <a:endParaRPr lang="de-AT"/>
           </a:p>
@@ -11280,7 +11280,7 @@
           <a:p>
             <a:fld id="{83C286D2-5717-406C-AD4B-C4A69D5338FB}" type="datetimeFigureOut">
               <a:rPr lang="de-AT" smtClean="0"/>
-              <a:t>05.04.2018</a:t>
+              <a:t>22.04.2018</a:t>
             </a:fld>
             <a:endParaRPr lang="de-AT"/>
           </a:p>
@@ -11827,7 +11827,7 @@
           <a:p>
             <a:fld id="{83C286D2-5717-406C-AD4B-C4A69D5338FB}" type="datetimeFigureOut">
               <a:rPr lang="de-AT" smtClean="0"/>
-              <a:t>05.04.2018</a:t>
+              <a:t>22.04.2018</a:t>
             </a:fld>
             <a:endParaRPr lang="de-AT"/>
           </a:p>
@@ -12452,7 +12452,7 @@
           <a:p>
             <a:fld id="{83C286D2-5717-406C-AD4B-C4A69D5338FB}" type="datetimeFigureOut">
               <a:rPr lang="de-AT" smtClean="0"/>
-              <a:t>05.04.2018</a:t>
+              <a:t>22.04.2018</a:t>
             </a:fld>
             <a:endParaRPr lang="de-AT"/>
           </a:p>
@@ -14289,7 +14289,7 @@
 </file>
 
 <file path=ppt/slides/slide2.xml><?xml version="1.0" encoding="utf-8"?>
-<p:sld xmlns:a="http://schemas.openxmlformats.org/drawingml/2006/main" xmlns:r="http://schemas.openxmlformats.org/officeDocument/2006/relationships" xmlns:p="http://schemas.openxmlformats.org/presentationml/2006/main" show="0">
+<p:sld xmlns:a="http://schemas.openxmlformats.org/drawingml/2006/main" xmlns:r="http://schemas.openxmlformats.org/officeDocument/2006/relationships" xmlns:p="http://schemas.openxmlformats.org/presentationml/2006/main">
   <p:cSld>
     <p:spTree>
       <p:nvGrpSpPr>
@@ -14334,23 +14334,24 @@
           <a:lstStyle/>
           <a:p>
             <a:r>
-              <a:rPr lang="de-AT" sz="3400" dirty="0"/>
+              <a:rPr lang="de-AT" sz="3400"/>
               <a:t>Auftraggeber</a:t>
             </a:r>
             <a:br>
-              <a:rPr lang="de-AT" sz="3400" dirty="0"/>
+              <a:rPr lang="de-AT" sz="3400"/>
             </a:br>
             <a:r>
-              <a:rPr lang="de-AT" sz="3400" dirty="0"/>
+              <a:rPr lang="de-AT" sz="3400"/>
               <a:t>und</a:t>
             </a:r>
             <a:br>
-              <a:rPr lang="de-AT" sz="3400" dirty="0"/>
+              <a:rPr lang="de-AT" sz="3400"/>
             </a:br>
             <a:r>
-              <a:rPr lang="de-AT" sz="3400" dirty="0"/>
+              <a:rPr lang="de-AT" sz="3400"/>
               <a:t>Betreuungslehrer</a:t>
             </a:r>
+            <a:endParaRPr lang="de-AT" sz="3400" dirty="0"/>
           </a:p>
         </p:txBody>
       </p:sp>
@@ -14591,13 +14592,13 @@
   <p:clrMapOvr>
     <a:masterClrMapping/>
   </p:clrMapOvr>
-  <mc:AlternateContent xmlns:mc="http://schemas.openxmlformats.org/markup-compatibility/2006" xmlns:p14="http://schemas.microsoft.com/office/powerpoint/2010/main">
-    <mc:Choice Requires="p14">
+  <mc:AlternateContent xmlns:mc="http://schemas.openxmlformats.org/markup-compatibility/2006">
+    <mc:Choice xmlns:p14="http://schemas.microsoft.com/office/powerpoint/2010/main" Requires="p14">
       <p:transition spd="slow" p14:dur="1200">
         <p14:prism/>
       </p:transition>
     </mc:Choice>
-    <mc:Fallback xmlns="">
+    <mc:Fallback>
       <p:transition spd="slow">
         <p:fade/>
       </p:transition>
@@ -15865,7 +15866,7 @@
         <p:spPr>
           <a:xfrm>
             <a:off x="4339522" y="1170331"/>
-            <a:ext cx="1972747" cy="1569660"/>
+            <a:ext cx="2774201" cy="1569660"/>
           </a:xfrm>
           <a:prstGeom prst="rect">
             <a:avLst/>
@@ -15906,17 +15907,13 @@
               <a:rPr lang="de-AT" sz="2400" dirty="0"/>
               <a:t>JavaScript</a:t>
             </a:r>
-          </a:p>
-          <a:p>
-            <a:pPr marL="285750" indent="-285750">
-              <a:buFont typeface="Arial" panose="020B0604020202020204" pitchFamily="34" charset="0"/>
-              <a:buChar char="•"/>
-            </a:pPr>
-            <a:r>
-              <a:rPr lang="de-AT" sz="2400" dirty="0" err="1"/>
-              <a:t>jQuery</a:t>
-            </a:r>
-            <a:endParaRPr lang="de-AT" sz="2400" dirty="0"/>
+            <a:br>
+              <a:rPr lang="de-AT" sz="2400" dirty="0"/>
+            </a:br>
+            <a:r>
+              <a:rPr lang="de-AT" sz="2400" dirty="0"/>
+              <a:t>  &amp; Co</a:t>
+            </a:r>
           </a:p>
         </p:txBody>
       </p:sp>
